--- a/architecture/6. 网站的伸缩性架构.pptx
+++ b/architecture/6. 网站的伸缩性架构.pptx
@@ -4,6 +4,9 @@
   <p:sldMasterIdLst>
     <p:sldMasterId id="2147483648" r:id="rId1"/>
   </p:sldMasterIdLst>
+  <p:notesMasterIdLst>
+    <p:notesMasterId r:id="rId39"/>
+  </p:notesMasterIdLst>
   <p:sldIdLst>
     <p:sldId id="256" r:id="rId2"/>
     <p:sldId id="257" r:id="rId3"/>
@@ -31,6 +34,17 @@
     <p:sldId id="280" r:id="rId25"/>
     <p:sldId id="281" r:id="rId26"/>
     <p:sldId id="262" r:id="rId27"/>
+    <p:sldId id="282" r:id="rId28"/>
+    <p:sldId id="283" r:id="rId29"/>
+    <p:sldId id="284" r:id="rId30"/>
+    <p:sldId id="288" r:id="rId31"/>
+    <p:sldId id="285" r:id="rId32"/>
+    <p:sldId id="286" r:id="rId33"/>
+    <p:sldId id="289" r:id="rId34"/>
+    <p:sldId id="287" r:id="rId35"/>
+    <p:sldId id="290" r:id="rId36"/>
+    <p:sldId id="292" r:id="rId37"/>
+    <p:sldId id="291" r:id="rId38"/>
   </p:sldIdLst>
   <p:sldSz cx="12192000" cy="6858000"/>
   <p:notesSz cx="6858000" cy="9144000"/>
@@ -129,17 +143,18 @@
       </a:defRPr>
     </a:lvl9pPr>
   </p:defaultTextStyle>
+  <p:extLst>
+    <p:ext uri="{EFAFB233-063F-42B5-8137-9DF3F51BA10A}">
+      <p15:sldGuideLst xmlns:p15="http://schemas.microsoft.com/office/powerpoint/2012/main"/>
+    </p:ext>
+  </p:extLst>
 </p:presentation>
 </file>
 
 <file path=ppt/commentAuthors.xml><?xml version="1.0" encoding="utf-8"?>
 <p:cmAuthorLst xmlns:a="http://schemas.openxmlformats.org/drawingml/2006/main" xmlns:r="http://schemas.openxmlformats.org/officeDocument/2006/relationships" xmlns:p="http://schemas.openxmlformats.org/presentationml/2006/main">
   <p:cmAuthor id="1" name="Microsoft Office User" initials="Office" lastIdx="1" clrIdx="0">
-    <p:extLst>
-      <p:ext uri="{19B8F6BF-5375-455C-9EA6-DF929625EA0E}">
-        <p15:presenceInfo xmlns:p15="http://schemas.microsoft.com/office/powerpoint/2012/main" userId="" providerId=""/>
-      </p:ext>
-    </p:extLst>
+    <p:extLst/>
   </p:cmAuthor>
 </p:cmAuthorLst>
 </file>
@@ -156,6 +171,536 @@
     </p:extLst>
   </p:cm>
 </p:cmLst>
+</file>
+
+<file path=ppt/notesMasters/notesMaster1.xml><?xml version="1.0" encoding="utf-8"?>
+<p:notesMaster xmlns:a="http://schemas.openxmlformats.org/drawingml/2006/main" xmlns:r="http://schemas.openxmlformats.org/officeDocument/2006/relationships" xmlns:p="http://schemas.openxmlformats.org/presentationml/2006/main">
+  <p:cSld>
+    <p:bg>
+      <p:bgRef idx="1001">
+        <a:schemeClr val="bg1"/>
+      </p:bgRef>
+    </p:bg>
+    <p:spTree>
+      <p:nvGrpSpPr>
+        <p:cNvPr id="1" name=""/>
+        <p:cNvGrpSpPr/>
+        <p:nvPr/>
+      </p:nvGrpSpPr>
+      <p:grpSpPr>
+        <a:xfrm>
+          <a:off x="0" y="0"/>
+          <a:ext cx="0" cy="0"/>
+          <a:chOff x="0" y="0"/>
+          <a:chExt cx="0" cy="0"/>
+        </a:xfrm>
+      </p:grpSpPr>
+      <p:sp>
+        <p:nvSpPr>
+          <p:cNvPr id="2" name="Header Placeholder 1"/>
+          <p:cNvSpPr>
+            <a:spLocks noGrp="1"/>
+          </p:cNvSpPr>
+          <p:nvPr>
+            <p:ph type="hdr" sz="quarter"/>
+          </p:nvPr>
+        </p:nvSpPr>
+        <p:spPr>
+          <a:xfrm>
+            <a:off x="0" y="0"/>
+            <a:ext cx="2971800" cy="458788"/>
+          </a:xfrm>
+          <a:prstGeom prst="rect">
+            <a:avLst/>
+          </a:prstGeom>
+        </p:spPr>
+        <p:txBody>
+          <a:bodyPr vert="horz" lIns="91440" tIns="45720" rIns="91440" bIns="45720" rtlCol="0"/>
+          <a:lstStyle>
+            <a:lvl1pPr algn="l">
+              <a:defRPr sz="1200"/>
+            </a:lvl1pPr>
+          </a:lstStyle>
+          <a:p>
+            <a:endParaRPr lang="en-US"/>
+          </a:p>
+        </p:txBody>
+      </p:sp>
+      <p:sp>
+        <p:nvSpPr>
+          <p:cNvPr id="3" name="Date Placeholder 2"/>
+          <p:cNvSpPr>
+            <a:spLocks noGrp="1"/>
+          </p:cNvSpPr>
+          <p:nvPr>
+            <p:ph type="dt" idx="1"/>
+          </p:nvPr>
+        </p:nvSpPr>
+        <p:spPr>
+          <a:xfrm>
+            <a:off x="3884613" y="0"/>
+            <a:ext cx="2971800" cy="458788"/>
+          </a:xfrm>
+          <a:prstGeom prst="rect">
+            <a:avLst/>
+          </a:prstGeom>
+        </p:spPr>
+        <p:txBody>
+          <a:bodyPr vert="horz" lIns="91440" tIns="45720" rIns="91440" bIns="45720" rtlCol="0"/>
+          <a:lstStyle>
+            <a:lvl1pPr algn="r">
+              <a:defRPr sz="1200"/>
+            </a:lvl1pPr>
+          </a:lstStyle>
+          <a:p>
+            <a:fld id="{02E7045D-11AA-4441-9C27-1E67C5837FF4}" type="datetimeFigureOut">
+              <a:rPr lang="en-US" smtClean="0"/>
+              <a:t>7/8/19</a:t>
+            </a:fld>
+            <a:endParaRPr lang="en-US"/>
+          </a:p>
+        </p:txBody>
+      </p:sp>
+      <p:sp>
+        <p:nvSpPr>
+          <p:cNvPr id="4" name="Slide Image Placeholder 3"/>
+          <p:cNvSpPr>
+            <a:spLocks noGrp="1" noRot="1" noChangeAspect="1"/>
+          </p:cNvSpPr>
+          <p:nvPr>
+            <p:ph type="sldImg" idx="2"/>
+          </p:nvPr>
+        </p:nvSpPr>
+        <p:spPr>
+          <a:xfrm>
+            <a:off x="685800" y="1143000"/>
+            <a:ext cx="5486400" cy="3086100"/>
+          </a:xfrm>
+          <a:prstGeom prst="rect">
+            <a:avLst/>
+          </a:prstGeom>
+          <a:noFill/>
+          <a:ln w="12700">
+            <a:solidFill>
+              <a:prstClr val="black"/>
+            </a:solidFill>
+          </a:ln>
+        </p:spPr>
+        <p:txBody>
+          <a:bodyPr vert="horz" lIns="91440" tIns="45720" rIns="91440" bIns="45720" rtlCol="0" anchor="ctr"/>
+          <a:lstStyle/>
+          <a:p>
+            <a:endParaRPr lang="en-US"/>
+          </a:p>
+        </p:txBody>
+      </p:sp>
+      <p:sp>
+        <p:nvSpPr>
+          <p:cNvPr id="5" name="Notes Placeholder 4"/>
+          <p:cNvSpPr>
+            <a:spLocks noGrp="1"/>
+          </p:cNvSpPr>
+          <p:nvPr>
+            <p:ph type="body" sz="quarter" idx="3"/>
+          </p:nvPr>
+        </p:nvSpPr>
+        <p:spPr>
+          <a:xfrm>
+            <a:off x="685800" y="4400550"/>
+            <a:ext cx="5486400" cy="3600450"/>
+          </a:xfrm>
+          <a:prstGeom prst="rect">
+            <a:avLst/>
+          </a:prstGeom>
+        </p:spPr>
+        <p:txBody>
+          <a:bodyPr vert="horz" lIns="91440" tIns="45720" rIns="91440" bIns="45720" rtlCol="0"/>
+          <a:lstStyle/>
+          <a:p>
+            <a:pPr lvl="0"/>
+            <a:r>
+              <a:rPr lang="en-US" smtClean="0"/>
+              <a:t>Click to edit Master text styles</a:t>
+            </a:r>
+          </a:p>
+          <a:p>
+            <a:pPr lvl="1"/>
+            <a:r>
+              <a:rPr lang="en-US" smtClean="0"/>
+              <a:t>Second level</a:t>
+            </a:r>
+          </a:p>
+          <a:p>
+            <a:pPr lvl="2"/>
+            <a:r>
+              <a:rPr lang="en-US" smtClean="0"/>
+              <a:t>Third level</a:t>
+            </a:r>
+          </a:p>
+          <a:p>
+            <a:pPr lvl="3"/>
+            <a:r>
+              <a:rPr lang="en-US" smtClean="0"/>
+              <a:t>Fourth level</a:t>
+            </a:r>
+          </a:p>
+          <a:p>
+            <a:pPr lvl="4"/>
+            <a:r>
+              <a:rPr lang="en-US" smtClean="0"/>
+              <a:t>Fifth level</a:t>
+            </a:r>
+            <a:endParaRPr lang="en-US"/>
+          </a:p>
+        </p:txBody>
+      </p:sp>
+      <p:sp>
+        <p:nvSpPr>
+          <p:cNvPr id="6" name="Footer Placeholder 5"/>
+          <p:cNvSpPr>
+            <a:spLocks noGrp="1"/>
+          </p:cNvSpPr>
+          <p:nvPr>
+            <p:ph type="ftr" sz="quarter" idx="4"/>
+          </p:nvPr>
+        </p:nvSpPr>
+        <p:spPr>
+          <a:xfrm>
+            <a:off x="0" y="8685213"/>
+            <a:ext cx="2971800" cy="458787"/>
+          </a:xfrm>
+          <a:prstGeom prst="rect">
+            <a:avLst/>
+          </a:prstGeom>
+        </p:spPr>
+        <p:txBody>
+          <a:bodyPr vert="horz" lIns="91440" tIns="45720" rIns="91440" bIns="45720" rtlCol="0" anchor="b"/>
+          <a:lstStyle>
+            <a:lvl1pPr algn="l">
+              <a:defRPr sz="1200"/>
+            </a:lvl1pPr>
+          </a:lstStyle>
+          <a:p>
+            <a:endParaRPr lang="en-US"/>
+          </a:p>
+        </p:txBody>
+      </p:sp>
+      <p:sp>
+        <p:nvSpPr>
+          <p:cNvPr id="7" name="Slide Number Placeholder 6"/>
+          <p:cNvSpPr>
+            <a:spLocks noGrp="1"/>
+          </p:cNvSpPr>
+          <p:nvPr>
+            <p:ph type="sldNum" sz="quarter" idx="5"/>
+          </p:nvPr>
+        </p:nvSpPr>
+        <p:spPr>
+          <a:xfrm>
+            <a:off x="3884613" y="8685213"/>
+            <a:ext cx="2971800" cy="458787"/>
+          </a:xfrm>
+          <a:prstGeom prst="rect">
+            <a:avLst/>
+          </a:prstGeom>
+        </p:spPr>
+        <p:txBody>
+          <a:bodyPr vert="horz" lIns="91440" tIns="45720" rIns="91440" bIns="45720" rtlCol="0" anchor="b"/>
+          <a:lstStyle>
+            <a:lvl1pPr algn="r">
+              <a:defRPr sz="1200"/>
+            </a:lvl1pPr>
+          </a:lstStyle>
+          <a:p>
+            <a:fld id="{2BCF5FE3-3F43-2348-9EE8-7FB75FB8D2E1}" type="slidenum">
+              <a:rPr lang="en-US" smtClean="0"/>
+              <a:t>‹#›</a:t>
+            </a:fld>
+            <a:endParaRPr lang="en-US"/>
+          </a:p>
+        </p:txBody>
+      </p:sp>
+    </p:spTree>
+    <p:extLst>
+      <p:ext uri="{BB962C8B-B14F-4D97-AF65-F5344CB8AC3E}">
+        <p14:creationId xmlns:p14="http://schemas.microsoft.com/office/powerpoint/2010/main" val="193339432"/>
+      </p:ext>
+    </p:extLst>
+  </p:cSld>
+  <p:clrMap bg1="lt1" tx1="dk1" bg2="lt2" tx2="dk2" accent1="accent1" accent2="accent2" accent3="accent3" accent4="accent4" accent5="accent5" accent6="accent6" hlink="hlink" folHlink="folHlink"/>
+  <p:notesStyle>
+    <a:lvl1pPr marL="0" algn="l" defTabSz="914400" rtl="0" eaLnBrk="1" latinLnBrk="0" hangingPunct="1">
+      <a:defRPr sz="1200" kern="1200">
+        <a:solidFill>
+          <a:schemeClr val="tx1"/>
+        </a:solidFill>
+        <a:latin typeface="+mn-lt"/>
+        <a:ea typeface="+mn-ea"/>
+        <a:cs typeface="+mn-cs"/>
+      </a:defRPr>
+    </a:lvl1pPr>
+    <a:lvl2pPr marL="457200" algn="l" defTabSz="914400" rtl="0" eaLnBrk="1" latinLnBrk="0" hangingPunct="1">
+      <a:defRPr sz="1200" kern="1200">
+        <a:solidFill>
+          <a:schemeClr val="tx1"/>
+        </a:solidFill>
+        <a:latin typeface="+mn-lt"/>
+        <a:ea typeface="+mn-ea"/>
+        <a:cs typeface="+mn-cs"/>
+      </a:defRPr>
+    </a:lvl2pPr>
+    <a:lvl3pPr marL="914400" algn="l" defTabSz="914400" rtl="0" eaLnBrk="1" latinLnBrk="0" hangingPunct="1">
+      <a:defRPr sz="1200" kern="1200">
+        <a:solidFill>
+          <a:schemeClr val="tx1"/>
+        </a:solidFill>
+        <a:latin typeface="+mn-lt"/>
+        <a:ea typeface="+mn-ea"/>
+        <a:cs typeface="+mn-cs"/>
+      </a:defRPr>
+    </a:lvl3pPr>
+    <a:lvl4pPr marL="1371600" algn="l" defTabSz="914400" rtl="0" eaLnBrk="1" latinLnBrk="0" hangingPunct="1">
+      <a:defRPr sz="1200" kern="1200">
+        <a:solidFill>
+          <a:schemeClr val="tx1"/>
+        </a:solidFill>
+        <a:latin typeface="+mn-lt"/>
+        <a:ea typeface="+mn-ea"/>
+        <a:cs typeface="+mn-cs"/>
+      </a:defRPr>
+    </a:lvl4pPr>
+    <a:lvl5pPr marL="1828800" algn="l" defTabSz="914400" rtl="0" eaLnBrk="1" latinLnBrk="0" hangingPunct="1">
+      <a:defRPr sz="1200" kern="1200">
+        <a:solidFill>
+          <a:schemeClr val="tx1"/>
+        </a:solidFill>
+        <a:latin typeface="+mn-lt"/>
+        <a:ea typeface="+mn-ea"/>
+        <a:cs typeface="+mn-cs"/>
+      </a:defRPr>
+    </a:lvl5pPr>
+    <a:lvl6pPr marL="2286000" algn="l" defTabSz="914400" rtl="0" eaLnBrk="1" latinLnBrk="0" hangingPunct="1">
+      <a:defRPr sz="1200" kern="1200">
+        <a:solidFill>
+          <a:schemeClr val="tx1"/>
+        </a:solidFill>
+        <a:latin typeface="+mn-lt"/>
+        <a:ea typeface="+mn-ea"/>
+        <a:cs typeface="+mn-cs"/>
+      </a:defRPr>
+    </a:lvl6pPr>
+    <a:lvl7pPr marL="2743200" algn="l" defTabSz="914400" rtl="0" eaLnBrk="1" latinLnBrk="0" hangingPunct="1">
+      <a:defRPr sz="1200" kern="1200">
+        <a:solidFill>
+          <a:schemeClr val="tx1"/>
+        </a:solidFill>
+        <a:latin typeface="+mn-lt"/>
+        <a:ea typeface="+mn-ea"/>
+        <a:cs typeface="+mn-cs"/>
+      </a:defRPr>
+    </a:lvl7pPr>
+    <a:lvl8pPr marL="3200400" algn="l" defTabSz="914400" rtl="0" eaLnBrk="1" latinLnBrk="0" hangingPunct="1">
+      <a:defRPr sz="1200" kern="1200">
+        <a:solidFill>
+          <a:schemeClr val="tx1"/>
+        </a:solidFill>
+        <a:latin typeface="+mn-lt"/>
+        <a:ea typeface="+mn-ea"/>
+        <a:cs typeface="+mn-cs"/>
+      </a:defRPr>
+    </a:lvl8pPr>
+    <a:lvl9pPr marL="3657600" algn="l" defTabSz="914400" rtl="0" eaLnBrk="1" latinLnBrk="0" hangingPunct="1">
+      <a:defRPr sz="1200" kern="1200">
+        <a:solidFill>
+          <a:schemeClr val="tx1"/>
+        </a:solidFill>
+        <a:latin typeface="+mn-lt"/>
+        <a:ea typeface="+mn-ea"/>
+        <a:cs typeface="+mn-cs"/>
+      </a:defRPr>
+    </a:lvl9pPr>
+  </p:notesStyle>
+</p:notesMaster>
+</file>
+
+<file path=ppt/notesSlides/notesSlide1.xml><?xml version="1.0" encoding="utf-8"?>
+<p:notes xmlns:a="http://schemas.openxmlformats.org/drawingml/2006/main" xmlns:r="http://schemas.openxmlformats.org/officeDocument/2006/relationships" xmlns:p="http://schemas.openxmlformats.org/presentationml/2006/main">
+  <p:cSld>
+    <p:spTree>
+      <p:nvGrpSpPr>
+        <p:cNvPr id="1" name=""/>
+        <p:cNvGrpSpPr/>
+        <p:nvPr/>
+      </p:nvGrpSpPr>
+      <p:grpSpPr>
+        <a:xfrm>
+          <a:off x="0" y="0"/>
+          <a:ext cx="0" cy="0"/>
+          <a:chOff x="0" y="0"/>
+          <a:chExt cx="0" cy="0"/>
+        </a:xfrm>
+      </p:grpSpPr>
+      <p:sp>
+        <p:nvSpPr>
+          <p:cNvPr id="2" name="Slide Image Placeholder 1"/>
+          <p:cNvSpPr>
+            <a:spLocks noGrp="1" noRot="1" noChangeAspect="1"/>
+          </p:cNvSpPr>
+          <p:nvPr>
+            <p:ph type="sldImg"/>
+          </p:nvPr>
+        </p:nvSpPr>
+        <p:spPr/>
+      </p:sp>
+      <p:sp>
+        <p:nvSpPr>
+          <p:cNvPr id="3" name="Notes Placeholder 2"/>
+          <p:cNvSpPr>
+            <a:spLocks noGrp="1"/>
+          </p:cNvSpPr>
+          <p:nvPr>
+            <p:ph type="body" idx="1"/>
+          </p:nvPr>
+        </p:nvSpPr>
+        <p:spPr/>
+        <p:txBody>
+          <a:bodyPr/>
+          <a:lstStyle/>
+          <a:p>
+            <a:r>
+              <a:rPr lang="en-US" dirty="0" smtClean="0">
+                <a:hlinkClick r:id="rId3"/>
+              </a:rPr>
+              <a:t>https://github.com/alibaba/cobar</a:t>
+            </a:r>
+            <a:endParaRPr lang="en-US" dirty="0"/>
+          </a:p>
+        </p:txBody>
+      </p:sp>
+      <p:sp>
+        <p:nvSpPr>
+          <p:cNvPr id="4" name="Slide Number Placeholder 3"/>
+          <p:cNvSpPr>
+            <a:spLocks noGrp="1"/>
+          </p:cNvSpPr>
+          <p:nvPr>
+            <p:ph type="sldNum" sz="quarter" idx="10"/>
+          </p:nvPr>
+        </p:nvSpPr>
+        <p:spPr/>
+        <p:txBody>
+          <a:bodyPr/>
+          <a:lstStyle/>
+          <a:p>
+            <a:fld id="{2BCF5FE3-3F43-2348-9EE8-7FB75FB8D2E1}" type="slidenum">
+              <a:rPr lang="en-US" smtClean="0"/>
+              <a:t>30</a:t>
+            </a:fld>
+            <a:endParaRPr lang="en-US"/>
+          </a:p>
+        </p:txBody>
+      </p:sp>
+    </p:spTree>
+    <p:extLst>
+      <p:ext uri="{BB962C8B-B14F-4D97-AF65-F5344CB8AC3E}">
+        <p14:creationId xmlns:p14="http://schemas.microsoft.com/office/powerpoint/2010/main" val="313075713"/>
+      </p:ext>
+    </p:extLst>
+  </p:cSld>
+  <p:clrMapOvr>
+    <a:masterClrMapping/>
+  </p:clrMapOvr>
+</p:notes>
+</file>
+
+<file path=ppt/notesSlides/notesSlide2.xml><?xml version="1.0" encoding="utf-8"?>
+<p:notes xmlns:a="http://schemas.openxmlformats.org/drawingml/2006/main" xmlns:r="http://schemas.openxmlformats.org/officeDocument/2006/relationships" xmlns:p="http://schemas.openxmlformats.org/presentationml/2006/main">
+  <p:cSld>
+    <p:spTree>
+      <p:nvGrpSpPr>
+        <p:cNvPr id="1" name=""/>
+        <p:cNvGrpSpPr/>
+        <p:nvPr/>
+      </p:nvGrpSpPr>
+      <p:grpSpPr>
+        <a:xfrm>
+          <a:off x="0" y="0"/>
+          <a:ext cx="0" cy="0"/>
+          <a:chOff x="0" y="0"/>
+          <a:chExt cx="0" cy="0"/>
+        </a:xfrm>
+      </p:grpSpPr>
+      <p:sp>
+        <p:nvSpPr>
+          <p:cNvPr id="2" name="Slide Image Placeholder 1"/>
+          <p:cNvSpPr>
+            <a:spLocks noGrp="1" noRot="1" noChangeAspect="1"/>
+          </p:cNvSpPr>
+          <p:nvPr>
+            <p:ph type="sldImg"/>
+          </p:nvPr>
+        </p:nvSpPr>
+        <p:spPr/>
+      </p:sp>
+      <p:sp>
+        <p:nvSpPr>
+          <p:cNvPr id="3" name="Notes Placeholder 2"/>
+          <p:cNvSpPr>
+            <a:spLocks noGrp="1"/>
+          </p:cNvSpPr>
+          <p:nvPr>
+            <p:ph type="body" idx="1"/>
+          </p:nvPr>
+        </p:nvSpPr>
+        <p:spPr/>
+        <p:txBody>
+          <a:bodyPr/>
+          <a:lstStyle/>
+          <a:p>
+            <a:r>
+              <a:rPr lang="en-US" dirty="0" smtClean="0">
+                <a:hlinkClick r:id="rId3"/>
+              </a:rPr>
+              <a:t>https://github.com/MyCATApache/Mycat-Server</a:t>
+            </a:r>
+            <a:endParaRPr lang="en-US" dirty="0"/>
+          </a:p>
+        </p:txBody>
+      </p:sp>
+      <p:sp>
+        <p:nvSpPr>
+          <p:cNvPr id="4" name="Slide Number Placeholder 3"/>
+          <p:cNvSpPr>
+            <a:spLocks noGrp="1"/>
+          </p:cNvSpPr>
+          <p:nvPr>
+            <p:ph type="sldNum" sz="quarter" idx="10"/>
+          </p:nvPr>
+        </p:nvSpPr>
+        <p:spPr/>
+        <p:txBody>
+          <a:bodyPr/>
+          <a:lstStyle/>
+          <a:p>
+            <a:fld id="{2BCF5FE3-3F43-2348-9EE8-7FB75FB8D2E1}" type="slidenum">
+              <a:rPr lang="en-US" smtClean="0"/>
+              <a:t>31</a:t>
+            </a:fld>
+            <a:endParaRPr lang="en-US"/>
+          </a:p>
+        </p:txBody>
+      </p:sp>
+    </p:spTree>
+    <p:extLst>
+      <p:ext uri="{BB962C8B-B14F-4D97-AF65-F5344CB8AC3E}">
+        <p14:creationId xmlns:p14="http://schemas.microsoft.com/office/powerpoint/2010/main" val="810818395"/>
+      </p:ext>
+    </p:extLst>
+  </p:cSld>
+  <p:clrMapOvr>
+    <a:masterClrMapping/>
+  </p:clrMapOvr>
+</p:notes>
 </file>
 
 <file path=ppt/slideLayouts/slideLayout1.xml><?xml version="1.0" encoding="utf-8"?>
@@ -289,7 +834,7 @@
           <a:p>
             <a:fld id="{ABD559E5-7AD5-064C-8289-F9A6E09BD6BB}" type="datetimeFigureOut">
               <a:rPr lang="en-US" smtClean="0"/>
-              <a:t>7/5/19</a:t>
+              <a:t>7/8/19</a:t>
             </a:fld>
             <a:endParaRPr lang="en-US"/>
           </a:p>
@@ -459,7 +1004,7 @@
           <a:p>
             <a:fld id="{ABD559E5-7AD5-064C-8289-F9A6E09BD6BB}" type="datetimeFigureOut">
               <a:rPr lang="en-US" smtClean="0"/>
-              <a:t>7/5/19</a:t>
+              <a:t>7/8/19</a:t>
             </a:fld>
             <a:endParaRPr lang="en-US"/>
           </a:p>
@@ -639,7 +1184,7 @@
           <a:p>
             <a:fld id="{ABD559E5-7AD5-064C-8289-F9A6E09BD6BB}" type="datetimeFigureOut">
               <a:rPr lang="en-US" smtClean="0"/>
-              <a:t>7/5/19</a:t>
+              <a:t>7/8/19</a:t>
             </a:fld>
             <a:endParaRPr lang="en-US"/>
           </a:p>
@@ -809,7 +1354,7 @@
           <a:p>
             <a:fld id="{ABD559E5-7AD5-064C-8289-F9A6E09BD6BB}" type="datetimeFigureOut">
               <a:rPr lang="en-US" smtClean="0"/>
-              <a:t>7/5/19</a:t>
+              <a:t>7/8/19</a:t>
             </a:fld>
             <a:endParaRPr lang="en-US"/>
           </a:p>
@@ -1055,7 +1600,7 @@
           <a:p>
             <a:fld id="{ABD559E5-7AD5-064C-8289-F9A6E09BD6BB}" type="datetimeFigureOut">
               <a:rPr lang="en-US" smtClean="0"/>
-              <a:t>7/5/19</a:t>
+              <a:t>7/8/19</a:t>
             </a:fld>
             <a:endParaRPr lang="en-US"/>
           </a:p>
@@ -1287,7 +1832,7 @@
           <a:p>
             <a:fld id="{ABD559E5-7AD5-064C-8289-F9A6E09BD6BB}" type="datetimeFigureOut">
               <a:rPr lang="en-US" smtClean="0"/>
-              <a:t>7/5/19</a:t>
+              <a:t>7/8/19</a:t>
             </a:fld>
             <a:endParaRPr lang="en-US"/>
           </a:p>
@@ -1654,7 +2199,7 @@
           <a:p>
             <a:fld id="{ABD559E5-7AD5-064C-8289-F9A6E09BD6BB}" type="datetimeFigureOut">
               <a:rPr lang="en-US" smtClean="0"/>
-              <a:t>7/5/19</a:t>
+              <a:t>7/8/19</a:t>
             </a:fld>
             <a:endParaRPr lang="en-US"/>
           </a:p>
@@ -1772,7 +2317,7 @@
           <a:p>
             <a:fld id="{ABD559E5-7AD5-064C-8289-F9A6E09BD6BB}" type="datetimeFigureOut">
               <a:rPr lang="en-US" smtClean="0"/>
-              <a:t>7/5/19</a:t>
+              <a:t>7/8/19</a:t>
             </a:fld>
             <a:endParaRPr lang="en-US"/>
           </a:p>
@@ -1867,7 +2412,7 @@
           <a:p>
             <a:fld id="{ABD559E5-7AD5-064C-8289-F9A6E09BD6BB}" type="datetimeFigureOut">
               <a:rPr lang="en-US" smtClean="0"/>
-              <a:t>7/5/19</a:t>
+              <a:t>7/8/19</a:t>
             </a:fld>
             <a:endParaRPr lang="en-US"/>
           </a:p>
@@ -2144,7 +2689,7 @@
           <a:p>
             <a:fld id="{ABD559E5-7AD5-064C-8289-F9A6E09BD6BB}" type="datetimeFigureOut">
               <a:rPr lang="en-US" smtClean="0"/>
-              <a:t>7/5/19</a:t>
+              <a:t>7/8/19</a:t>
             </a:fld>
             <a:endParaRPr lang="en-US"/>
           </a:p>
@@ -2397,7 +2942,7 @@
           <a:p>
             <a:fld id="{ABD559E5-7AD5-064C-8289-F9A6E09BD6BB}" type="datetimeFigureOut">
               <a:rPr lang="en-US" smtClean="0"/>
-              <a:t>7/5/19</a:t>
+              <a:t>7/8/19</a:t>
             </a:fld>
             <a:endParaRPr lang="en-US"/>
           </a:p>
@@ -2610,7 +3155,7 @@
           <a:p>
             <a:fld id="{ABD559E5-7AD5-064C-8289-F9A6E09BD6BB}" type="datetimeFigureOut">
               <a:rPr lang="en-US" smtClean="0"/>
-              <a:t>7/5/19</a:t>
+              <a:t>7/8/19</a:t>
             </a:fld>
             <a:endParaRPr lang="en-US"/>
           </a:p>
@@ -8316,6 +8861,649 @@
 </p:sld>
 </file>
 
+<file path=ppt/slides/slide27.xml><?xml version="1.0" encoding="utf-8"?>
+<p:sld xmlns:a="http://schemas.openxmlformats.org/drawingml/2006/main" xmlns:r="http://schemas.openxmlformats.org/officeDocument/2006/relationships" xmlns:p="http://schemas.openxmlformats.org/presentationml/2006/main">
+  <p:cSld>
+    <p:spTree>
+      <p:nvGrpSpPr>
+        <p:cNvPr id="1" name=""/>
+        <p:cNvGrpSpPr/>
+        <p:nvPr/>
+      </p:nvGrpSpPr>
+      <p:grpSpPr>
+        <a:xfrm>
+          <a:off x="0" y="0"/>
+          <a:ext cx="0" cy="0"/>
+          <a:chOff x="0" y="0"/>
+          <a:chExt cx="0" cy="0"/>
+        </a:xfrm>
+      </p:grpSpPr>
+      <p:sp>
+        <p:nvSpPr>
+          <p:cNvPr id="2" name="Title 1"/>
+          <p:cNvSpPr>
+            <a:spLocks noGrp="1"/>
+          </p:cNvSpPr>
+          <p:nvPr>
+            <p:ph type="title"/>
+          </p:nvPr>
+        </p:nvSpPr>
+        <p:spPr/>
+        <p:txBody>
+          <a:bodyPr/>
+          <a:lstStyle/>
+          <a:p>
+            <a:r>
+              <a:rPr lang="zh-CN" altLang="en-US" dirty="0" smtClean="0"/>
+              <a:t>数据存储服务器集群的伸缩性设计</a:t>
+            </a:r>
+            <a:endParaRPr lang="en-US" dirty="0"/>
+          </a:p>
+        </p:txBody>
+      </p:sp>
+      <p:sp>
+        <p:nvSpPr>
+          <p:cNvPr id="3" name="Content Placeholder 2"/>
+          <p:cNvSpPr>
+            <a:spLocks noGrp="1"/>
+          </p:cNvSpPr>
+          <p:nvPr>
+            <p:ph idx="1"/>
+          </p:nvPr>
+        </p:nvSpPr>
+        <p:spPr/>
+        <p:txBody>
+          <a:bodyPr>
+            <a:normAutofit/>
+          </a:bodyPr>
+          <a:lstStyle/>
+          <a:p>
+            <a:r>
+              <a:rPr lang="zh-CN" altLang="en-US" dirty="0"/>
+              <a:t>和缓存服务器集群的伸缩性设计不同</a:t>
+            </a:r>
+            <a:r>
+              <a:rPr lang="en-US" altLang="zh-CN" dirty="0"/>
+              <a:t>,</a:t>
+            </a:r>
+            <a:r>
+              <a:rPr lang="zh-CN" altLang="en-US" dirty="0"/>
+              <a:t>数据存储服务器集群的伸缩性对数据的</a:t>
+            </a:r>
+            <a:r>
+              <a:rPr lang="zh-CN" altLang="en-US" dirty="0" smtClean="0"/>
+              <a:t>持久性</a:t>
+            </a:r>
+            <a:r>
+              <a:rPr lang="zh-CN" altLang="en-US" dirty="0"/>
+              <a:t>和可用性提出了更高的要求</a:t>
+            </a:r>
+            <a:r>
+              <a:rPr lang="zh-CN" altLang="en-US" dirty="0" smtClean="0"/>
+              <a:t>。</a:t>
+            </a:r>
+            <a:endParaRPr lang="en-US" altLang="zh-CN" dirty="0" smtClean="0"/>
+          </a:p>
+          <a:p>
+            <a:r>
+              <a:rPr lang="zh-CN" altLang="en-US" dirty="0" smtClean="0"/>
+              <a:t>缓存</a:t>
+            </a:r>
+            <a:r>
+              <a:rPr lang="zh-CN" altLang="en-US" dirty="0"/>
+              <a:t>的目的是加速数据读取的速度并减轻数据存储服务器的负载压力</a:t>
+            </a:r>
+            <a:r>
+              <a:rPr lang="en-US" altLang="zh-CN" dirty="0"/>
+              <a:t>,</a:t>
+            </a:r>
+            <a:r>
+              <a:rPr lang="zh-CN" altLang="en-US" dirty="0"/>
+              <a:t>因此部分</a:t>
+            </a:r>
+            <a:r>
+              <a:rPr lang="zh-CN" altLang="en-US" dirty="0" smtClean="0"/>
+              <a:t>缓存</a:t>
+            </a:r>
+            <a:r>
+              <a:rPr lang="zh-CN" altLang="en-US" dirty="0"/>
+              <a:t>数据的丢失不影响业务的正常处理</a:t>
+            </a:r>
+            <a:r>
+              <a:rPr lang="en-US" altLang="zh-CN" dirty="0"/>
+              <a:t>,</a:t>
+            </a:r>
+            <a:r>
+              <a:rPr lang="zh-CN" altLang="en-US" dirty="0"/>
+              <a:t>因为数据还可以从数据库等存储服务器上获取。</a:t>
+            </a:r>
+          </a:p>
+          <a:p>
+            <a:r>
+              <a:rPr lang="zh-CN" altLang="en-US" dirty="0"/>
+              <a:t>而数据存储服务器必须保证数据的可靠存储</a:t>
+            </a:r>
+            <a:r>
+              <a:rPr lang="en-US" altLang="zh-CN" dirty="0"/>
+              <a:t>,</a:t>
+            </a:r>
+            <a:r>
+              <a:rPr lang="zh-CN" altLang="en-US" dirty="0"/>
+              <a:t>任何情况下都必须保证数据的可用</a:t>
+            </a:r>
+            <a:r>
+              <a:rPr lang="zh-CN" altLang="en-US" dirty="0" smtClean="0"/>
+              <a:t>性和</a:t>
+            </a:r>
+            <a:r>
+              <a:rPr lang="zh-CN" altLang="en-US" dirty="0"/>
+              <a:t>正确性。因此缓存服务器集群的伸缩性架构方案不能直接适用于数据库等存储服务器</a:t>
+            </a:r>
+            <a:r>
+              <a:rPr lang="zh-CN" altLang="en-US" dirty="0" smtClean="0"/>
+              <a:t>。存储</a:t>
+            </a:r>
+            <a:r>
+              <a:rPr lang="zh-CN" altLang="en-US" dirty="0"/>
+              <a:t>服务器集群的伸缩性设计相对更复杂一些</a:t>
+            </a:r>
+            <a:r>
+              <a:rPr lang="en-US" altLang="zh-CN" dirty="0"/>
+              <a:t>,</a:t>
+            </a:r>
+            <a:r>
+              <a:rPr lang="zh-CN" altLang="en-US" dirty="0"/>
+              <a:t>具体说来</a:t>
+            </a:r>
+            <a:r>
+              <a:rPr lang="en-US" altLang="zh-CN" dirty="0"/>
+              <a:t>,</a:t>
+            </a:r>
+            <a:r>
+              <a:rPr lang="zh-CN" altLang="en-US" dirty="0"/>
+              <a:t>又可分为</a:t>
+            </a:r>
+            <a:r>
+              <a:rPr lang="zh-CN" altLang="en-US" b="1" dirty="0"/>
+              <a:t>关系数据库集群</a:t>
+            </a:r>
+            <a:r>
+              <a:rPr lang="zh-CN" altLang="en-US" dirty="0" smtClean="0"/>
+              <a:t>的伸缩性</a:t>
+            </a:r>
+            <a:r>
+              <a:rPr lang="zh-CN" altLang="en-US" dirty="0"/>
+              <a:t>设计和 </a:t>
+            </a:r>
+            <a:r>
+              <a:rPr lang="en-US" altLang="zh-CN" b="1" dirty="0"/>
+              <a:t>NoSQL</a:t>
+            </a:r>
+            <a:r>
+              <a:rPr lang="zh-CN" altLang="en-US" b="1" dirty="0"/>
+              <a:t>数据库</a:t>
+            </a:r>
+            <a:r>
+              <a:rPr lang="zh-CN" altLang="en-US" dirty="0"/>
+              <a:t>的伸缩性设计。</a:t>
+            </a:r>
+          </a:p>
+          <a:p>
+            <a:endParaRPr lang="en-US" dirty="0"/>
+          </a:p>
+        </p:txBody>
+      </p:sp>
+    </p:spTree>
+    <p:extLst>
+      <p:ext uri="{BB962C8B-B14F-4D97-AF65-F5344CB8AC3E}">
+        <p14:creationId xmlns:p14="http://schemas.microsoft.com/office/powerpoint/2010/main" val="67255774"/>
+      </p:ext>
+    </p:extLst>
+  </p:cSld>
+  <p:clrMapOvr>
+    <a:masterClrMapping/>
+  </p:clrMapOvr>
+</p:sld>
+</file>
+
+<file path=ppt/slides/slide28.xml><?xml version="1.0" encoding="utf-8"?>
+<p:sld xmlns:a="http://schemas.openxmlformats.org/drawingml/2006/main" xmlns:r="http://schemas.openxmlformats.org/officeDocument/2006/relationships" xmlns:p="http://schemas.openxmlformats.org/presentationml/2006/main">
+  <p:cSld>
+    <p:spTree>
+      <p:nvGrpSpPr>
+        <p:cNvPr id="1" name=""/>
+        <p:cNvGrpSpPr/>
+        <p:nvPr/>
+      </p:nvGrpSpPr>
+      <p:grpSpPr>
+        <a:xfrm>
+          <a:off x="0" y="0"/>
+          <a:ext cx="0" cy="0"/>
+          <a:chOff x="0" y="0"/>
+          <a:chExt cx="0" cy="0"/>
+        </a:xfrm>
+      </p:grpSpPr>
+      <p:sp>
+        <p:nvSpPr>
+          <p:cNvPr id="2" name="Title 1"/>
+          <p:cNvSpPr>
+            <a:spLocks noGrp="1"/>
+          </p:cNvSpPr>
+          <p:nvPr>
+            <p:ph type="title"/>
+          </p:nvPr>
+        </p:nvSpPr>
+        <p:spPr/>
+        <p:txBody>
+          <a:bodyPr/>
+          <a:lstStyle/>
+          <a:p>
+            <a:r>
+              <a:rPr lang="zh-CN" altLang="en-US" dirty="0" smtClean="0"/>
+              <a:t>关系数据库集群的伸缩性设计</a:t>
+            </a:r>
+            <a:endParaRPr lang="en-US" dirty="0"/>
+          </a:p>
+        </p:txBody>
+      </p:sp>
+      <p:sp>
+        <p:nvSpPr>
+          <p:cNvPr id="3" name="Content Placeholder 2"/>
+          <p:cNvSpPr>
+            <a:spLocks noGrp="1"/>
+          </p:cNvSpPr>
+          <p:nvPr>
+            <p:ph idx="1"/>
+          </p:nvPr>
+        </p:nvSpPr>
+        <p:spPr/>
+        <p:txBody>
+          <a:bodyPr/>
+          <a:lstStyle/>
+          <a:p>
+            <a:r>
+              <a:rPr lang="zh-CN" altLang="en-US" dirty="0"/>
+              <a:t>关系数据库凭借其简单强大的</a:t>
+            </a:r>
+            <a:r>
+              <a:rPr lang="en-US" altLang="zh-CN" dirty="0"/>
+              <a:t>SQL</a:t>
+            </a:r>
+            <a:r>
+              <a:rPr lang="zh-CN" altLang="en-US" dirty="0"/>
+              <a:t>和众多成熟的商业数据库产品</a:t>
+            </a:r>
+            <a:r>
+              <a:rPr lang="en-US" altLang="zh-CN" dirty="0"/>
+              <a:t>,</a:t>
+            </a:r>
+            <a:r>
+              <a:rPr lang="zh-CN" altLang="en-US" dirty="0"/>
+              <a:t>占据了从企业</a:t>
+            </a:r>
+            <a:r>
+              <a:rPr lang="zh-CN" altLang="en-US" dirty="0" smtClean="0"/>
+              <a:t>应用</a:t>
+            </a:r>
+            <a:r>
+              <a:rPr lang="zh-CN" altLang="en-US" dirty="0"/>
+              <a:t>到网站系统的大部分业务数据存储服务。市场上主要的关系数据都支持数据复制功能</a:t>
+            </a:r>
+            <a:r>
+              <a:rPr lang="en-US" altLang="zh-CN" dirty="0" smtClean="0"/>
+              <a:t>,</a:t>
+            </a:r>
+            <a:r>
+              <a:rPr lang="zh-CN" altLang="en-US" dirty="0" smtClean="0"/>
+              <a:t>使用</a:t>
+            </a:r>
+            <a:r>
+              <a:rPr lang="zh-CN" altLang="en-US" dirty="0"/>
+              <a:t>这个功能可以对数据库进行简单伸缩</a:t>
+            </a:r>
+            <a:r>
+              <a:rPr lang="zh-CN" altLang="en-US" dirty="0" smtClean="0"/>
+              <a:t>。</a:t>
+            </a:r>
+            <a:endParaRPr lang="en-US" altLang="zh-CN" dirty="0" smtClean="0"/>
+          </a:p>
+          <a:p>
+            <a:r>
+              <a:rPr lang="zh-CN" altLang="en-US" dirty="0" smtClean="0"/>
+              <a:t>图为</a:t>
+            </a:r>
+            <a:r>
+              <a:rPr lang="zh-CN" altLang="en-US" dirty="0"/>
+              <a:t>使用数据复制的 </a:t>
+            </a:r>
+            <a:r>
+              <a:rPr lang="en-US" altLang="zh-CN" dirty="0"/>
+              <a:t>MySQL </a:t>
+            </a:r>
+            <a:endParaRPr lang="en-US" altLang="zh-CN" dirty="0" smtClean="0"/>
+          </a:p>
+          <a:p>
+            <a:r>
+              <a:rPr lang="zh-CN" altLang="en-US" dirty="0" smtClean="0"/>
+              <a:t>集群伸缩性</a:t>
+            </a:r>
+            <a:r>
+              <a:rPr lang="zh-CN" altLang="en-US" dirty="0"/>
+              <a:t>方案</a:t>
+            </a:r>
+            <a:r>
+              <a:rPr lang="zh-CN" altLang="en-US" dirty="0" smtClean="0"/>
+              <a:t>。</a:t>
+            </a:r>
+            <a:endParaRPr lang="zh-CN" altLang="en-US" dirty="0"/>
+          </a:p>
+        </p:txBody>
+      </p:sp>
+      <p:pic>
+        <p:nvPicPr>
+          <p:cNvPr id="4" name="Picture 3"/>
+          <p:cNvPicPr>
+            <a:picLocks noChangeAspect="1"/>
+          </p:cNvPicPr>
+          <p:nvPr/>
+        </p:nvPicPr>
+        <p:blipFill>
+          <a:blip r:embed="rId2"/>
+          <a:stretch>
+            <a:fillRect/>
+          </a:stretch>
+        </p:blipFill>
+        <p:spPr>
+          <a:xfrm>
+            <a:off x="5465157" y="3005138"/>
+            <a:ext cx="6726843" cy="3777452"/>
+          </a:xfrm>
+          <a:prstGeom prst="rect">
+            <a:avLst/>
+          </a:prstGeom>
+        </p:spPr>
+      </p:pic>
+    </p:spTree>
+    <p:extLst>
+      <p:ext uri="{BB962C8B-B14F-4D97-AF65-F5344CB8AC3E}">
+        <p14:creationId xmlns:p14="http://schemas.microsoft.com/office/powerpoint/2010/main" val="1724026286"/>
+      </p:ext>
+    </p:extLst>
+  </p:cSld>
+  <p:clrMapOvr>
+    <a:masterClrMapping/>
+  </p:clrMapOvr>
+</p:sld>
+</file>
+
+<file path=ppt/slides/slide29.xml><?xml version="1.0" encoding="utf-8"?>
+<p:sld xmlns:a="http://schemas.openxmlformats.org/drawingml/2006/main" xmlns:r="http://schemas.openxmlformats.org/officeDocument/2006/relationships" xmlns:p="http://schemas.openxmlformats.org/presentationml/2006/main">
+  <p:cSld>
+    <p:spTree>
+      <p:nvGrpSpPr>
+        <p:cNvPr id="1" name=""/>
+        <p:cNvGrpSpPr/>
+        <p:nvPr/>
+      </p:nvGrpSpPr>
+      <p:grpSpPr>
+        <a:xfrm>
+          <a:off x="0" y="0"/>
+          <a:ext cx="0" cy="0"/>
+          <a:chOff x="0" y="0"/>
+          <a:chExt cx="0" cy="0"/>
+        </a:xfrm>
+      </p:grpSpPr>
+      <p:sp>
+        <p:nvSpPr>
+          <p:cNvPr id="2" name="Title 1"/>
+          <p:cNvSpPr>
+            <a:spLocks noGrp="1"/>
+          </p:cNvSpPr>
+          <p:nvPr>
+            <p:ph type="title"/>
+          </p:nvPr>
+        </p:nvSpPr>
+        <p:spPr/>
+        <p:txBody>
+          <a:bodyPr/>
+          <a:lstStyle/>
+          <a:p>
+            <a:endParaRPr lang="en-US"/>
+          </a:p>
+        </p:txBody>
+      </p:sp>
+      <p:sp>
+        <p:nvSpPr>
+          <p:cNvPr id="3" name="Content Placeholder 2"/>
+          <p:cNvSpPr>
+            <a:spLocks noGrp="1"/>
+          </p:cNvSpPr>
+          <p:nvPr>
+            <p:ph idx="1"/>
+          </p:nvPr>
+        </p:nvSpPr>
+        <p:spPr/>
+        <p:txBody>
+          <a:bodyPr>
+            <a:normAutofit/>
+          </a:bodyPr>
+          <a:lstStyle/>
+          <a:p>
+            <a:r>
+              <a:rPr lang="zh-CN" altLang="en-US" dirty="0"/>
+              <a:t>在这种架构中</a:t>
+            </a:r>
+            <a:r>
+              <a:rPr lang="en-US" altLang="zh-CN" dirty="0"/>
+              <a:t>,</a:t>
+            </a:r>
+            <a:r>
+              <a:rPr lang="zh-CN" altLang="en-US" dirty="0"/>
+              <a:t>虽然多台服务器部署 </a:t>
+            </a:r>
+            <a:r>
+              <a:rPr lang="en-US" altLang="zh-CN" dirty="0"/>
+              <a:t>MySQL</a:t>
+            </a:r>
+            <a:r>
+              <a:rPr lang="zh-CN" altLang="en-US" dirty="0"/>
+              <a:t>实例</a:t>
+            </a:r>
+            <a:r>
+              <a:rPr lang="en-US" altLang="zh-CN" dirty="0"/>
+              <a:t>,</a:t>
+            </a:r>
+            <a:r>
+              <a:rPr lang="zh-CN" altLang="en-US" dirty="0"/>
+              <a:t>但是它们的角色有主从之分</a:t>
+            </a:r>
+            <a:r>
+              <a:rPr lang="en-US" altLang="zh-CN" dirty="0"/>
+              <a:t>,</a:t>
+            </a:r>
+            <a:r>
+              <a:rPr lang="zh-CN" altLang="en-US" dirty="0" smtClean="0"/>
+              <a:t>数据</a:t>
+            </a:r>
+            <a:r>
+              <a:rPr lang="zh-CN" altLang="en-US" dirty="0"/>
+              <a:t>写操作都在主服务器上</a:t>
+            </a:r>
+            <a:r>
+              <a:rPr lang="en-US" altLang="zh-CN" dirty="0"/>
+              <a:t>,</a:t>
+            </a:r>
+            <a:r>
+              <a:rPr lang="zh-CN" altLang="en-US" dirty="0"/>
+              <a:t>由主服务器将数据同步到集群中其他从服务器</a:t>
+            </a:r>
+            <a:r>
+              <a:rPr lang="en-US" altLang="zh-CN" dirty="0"/>
+              <a:t>,</a:t>
+            </a:r>
+            <a:r>
+              <a:rPr lang="zh-CN" altLang="en-US" dirty="0"/>
+              <a:t>数据读</a:t>
+            </a:r>
+            <a:r>
+              <a:rPr lang="zh-CN" altLang="en-US" dirty="0" smtClean="0"/>
+              <a:t>操作及</a:t>
+            </a:r>
+            <a:r>
+              <a:rPr lang="zh-CN" altLang="en-US" dirty="0"/>
+              <a:t>数据分析等离线操作在从服务器上进行。</a:t>
+            </a:r>
+          </a:p>
+          <a:p>
+            <a:r>
+              <a:rPr lang="zh-CN" altLang="en-US" dirty="0"/>
+              <a:t>除了数据库主从读写分离</a:t>
+            </a:r>
+            <a:r>
+              <a:rPr lang="en-US" altLang="zh-CN" dirty="0"/>
+              <a:t>,</a:t>
+            </a:r>
+            <a:r>
+              <a:rPr lang="zh-CN" altLang="en-US" dirty="0"/>
+              <a:t>前面提到的业务分割模式也可以用在数据库</a:t>
+            </a:r>
+            <a:r>
+              <a:rPr lang="en-US" altLang="zh-CN" dirty="0"/>
+              <a:t>,</a:t>
+            </a:r>
+            <a:r>
+              <a:rPr lang="zh-CN" altLang="en-US" dirty="0"/>
+              <a:t>不同</a:t>
+            </a:r>
+            <a:r>
+              <a:rPr lang="zh-CN" altLang="en-US" dirty="0" smtClean="0"/>
+              <a:t>业务数据</a:t>
+            </a:r>
+            <a:r>
+              <a:rPr lang="zh-CN" altLang="en-US" dirty="0"/>
+              <a:t>表部署在不同的数据库集群上</a:t>
+            </a:r>
+            <a:r>
+              <a:rPr lang="en-US" altLang="zh-CN" dirty="0"/>
+              <a:t>,</a:t>
+            </a:r>
+            <a:r>
+              <a:rPr lang="zh-CN" altLang="en-US" dirty="0"/>
+              <a:t>即俗称的数据分库。这种方式的制约条件是跨库</a:t>
+            </a:r>
+            <a:r>
+              <a:rPr lang="zh-CN" altLang="en-US" dirty="0" smtClean="0"/>
+              <a:t>的表</a:t>
+            </a:r>
+            <a:r>
+              <a:rPr lang="zh-CN" altLang="en-US" dirty="0"/>
+              <a:t>不能进行</a:t>
+            </a:r>
+            <a:r>
+              <a:rPr lang="en-US" altLang="zh-CN" dirty="0"/>
+              <a:t>Join</a:t>
+            </a:r>
+            <a:r>
+              <a:rPr lang="zh-CN" altLang="en-US" dirty="0"/>
+              <a:t>操作。</a:t>
+            </a:r>
+          </a:p>
+          <a:p>
+            <a:r>
+              <a:rPr lang="zh-CN" altLang="en-US" dirty="0"/>
+              <a:t>在大型网站的实际应用中</a:t>
+            </a:r>
+            <a:r>
+              <a:rPr lang="en-US" altLang="zh-CN" dirty="0"/>
+              <a:t>,</a:t>
+            </a:r>
+            <a:r>
+              <a:rPr lang="zh-CN" altLang="en-US" dirty="0"/>
+              <a:t>即使进行了分库和主从复制</a:t>
+            </a:r>
+            <a:r>
+              <a:rPr lang="en-US" altLang="zh-CN" dirty="0"/>
+              <a:t>,</a:t>
+            </a:r>
+            <a:r>
+              <a:rPr lang="zh-CN" altLang="en-US" dirty="0"/>
+              <a:t>对一些单表数据仍然很</a:t>
+            </a:r>
+            <a:r>
+              <a:rPr lang="zh-CN" altLang="en-US" dirty="0" smtClean="0"/>
+              <a:t>大的</a:t>
+            </a:r>
+            <a:r>
+              <a:rPr lang="zh-CN" altLang="en-US" dirty="0"/>
+              <a:t>表</a:t>
+            </a:r>
+            <a:r>
+              <a:rPr lang="en-US" altLang="zh-CN" dirty="0"/>
+              <a:t>,</a:t>
+            </a:r>
+            <a:r>
+              <a:rPr lang="zh-CN" altLang="en-US" dirty="0"/>
+              <a:t>比如 </a:t>
+            </a:r>
+            <a:r>
+              <a:rPr lang="en-US" altLang="zh-CN" dirty="0"/>
+              <a:t>Facebook </a:t>
+            </a:r>
+            <a:r>
+              <a:rPr lang="zh-CN" altLang="en-US" dirty="0"/>
+              <a:t>的用户数据库</a:t>
+            </a:r>
+            <a:r>
+              <a:rPr lang="en-US" altLang="zh-CN" dirty="0"/>
+              <a:t>,</a:t>
+            </a:r>
+            <a:r>
+              <a:rPr lang="zh-CN" altLang="en-US" dirty="0"/>
+              <a:t>淘宝的商品数据库</a:t>
+            </a:r>
+            <a:r>
+              <a:rPr lang="en-US" altLang="zh-CN" dirty="0"/>
+              <a:t>,</a:t>
+            </a:r>
+            <a:r>
+              <a:rPr lang="zh-CN" altLang="en-US" dirty="0"/>
+              <a:t>还需要进行分片</a:t>
+            </a:r>
+            <a:r>
+              <a:rPr lang="en-US" altLang="zh-CN" dirty="0"/>
+              <a:t>,</a:t>
+            </a:r>
+            <a:r>
+              <a:rPr lang="zh-CN" altLang="en-US" dirty="0"/>
+              <a:t>将一张表</a:t>
+            </a:r>
+            <a:r>
+              <a:rPr lang="zh-CN" altLang="en-US" dirty="0" smtClean="0"/>
+              <a:t>拆开</a:t>
+            </a:r>
+            <a:r>
+              <a:rPr lang="zh-CN" altLang="en-US" dirty="0"/>
+              <a:t>分别存储在多个数据库中。</a:t>
+            </a:r>
+          </a:p>
+          <a:p>
+            <a:endParaRPr lang="en-US" dirty="0"/>
+          </a:p>
+        </p:txBody>
+      </p:sp>
+    </p:spTree>
+    <p:extLst>
+      <p:ext uri="{BB962C8B-B14F-4D97-AF65-F5344CB8AC3E}">
+        <p14:creationId xmlns:p14="http://schemas.microsoft.com/office/powerpoint/2010/main" val="351961756"/>
+      </p:ext>
+    </p:extLst>
+  </p:cSld>
+  <p:clrMapOvr>
+    <a:masterClrMapping/>
+  </p:clrMapOvr>
+</p:sld>
+</file>
+
 <file path=ppt/slides/slide3.xml><?xml version="1.0" encoding="utf-8"?>
 <p:sld xmlns:a="http://schemas.openxmlformats.org/drawingml/2006/main" xmlns:r="http://schemas.openxmlformats.org/officeDocument/2006/relationships" xmlns:p="http://schemas.openxmlformats.org/presentationml/2006/main">
   <p:cSld>
@@ -8404,6 +9592,1445 @@
     <p:extLst>
       <p:ext uri="{BB962C8B-B14F-4D97-AF65-F5344CB8AC3E}">
         <p14:creationId xmlns:p14="http://schemas.microsoft.com/office/powerpoint/2010/main" val="1826491167"/>
+      </p:ext>
+    </p:extLst>
+  </p:cSld>
+  <p:clrMapOvr>
+    <a:masterClrMapping/>
+  </p:clrMapOvr>
+</p:sld>
+</file>
+
+<file path=ppt/slides/slide30.xml><?xml version="1.0" encoding="utf-8"?>
+<p:sld xmlns:a="http://schemas.openxmlformats.org/drawingml/2006/main" xmlns:r="http://schemas.openxmlformats.org/officeDocument/2006/relationships" xmlns:p="http://schemas.openxmlformats.org/presentationml/2006/main">
+  <p:cSld>
+    <p:spTree>
+      <p:nvGrpSpPr>
+        <p:cNvPr id="1" name=""/>
+        <p:cNvGrpSpPr/>
+        <p:nvPr/>
+      </p:nvGrpSpPr>
+      <p:grpSpPr>
+        <a:xfrm>
+          <a:off x="0" y="0"/>
+          <a:ext cx="0" cy="0"/>
+          <a:chOff x="0" y="0"/>
+          <a:chExt cx="0" cy="0"/>
+        </a:xfrm>
+      </p:grpSpPr>
+      <p:sp>
+        <p:nvSpPr>
+          <p:cNvPr id="2" name="Title 1"/>
+          <p:cNvSpPr>
+            <a:spLocks noGrp="1"/>
+          </p:cNvSpPr>
+          <p:nvPr>
+            <p:ph type="title"/>
+          </p:nvPr>
+        </p:nvSpPr>
+        <p:spPr/>
+        <p:txBody>
+          <a:bodyPr/>
+          <a:lstStyle/>
+          <a:p>
+            <a:r>
+              <a:rPr lang="en-US" altLang="zh-CN" dirty="0" err="1" smtClean="0"/>
+              <a:t>alibaba</a:t>
+            </a:r>
+            <a:r>
+              <a:rPr lang="en-US" altLang="zh-CN" dirty="0" smtClean="0"/>
+              <a:t>/</a:t>
+            </a:r>
+            <a:r>
+              <a:rPr lang="en-US" altLang="zh-CN" dirty="0" err="1" smtClean="0"/>
+              <a:t>cobar</a:t>
+            </a:r>
+            <a:endParaRPr lang="en-US" dirty="0"/>
+          </a:p>
+        </p:txBody>
+      </p:sp>
+      <p:pic>
+        <p:nvPicPr>
+          <p:cNvPr id="1026" name="Picture 2" descr="https://raw.githubusercontent.com/alibaba/cobar/master/doc/Cobar_architecture.png"/>
+          <p:cNvPicPr>
+            <a:picLocks noGrp="1" noChangeAspect="1" noChangeArrowheads="1"/>
+          </p:cNvPicPr>
+          <p:nvPr>
+            <p:ph idx="1"/>
+          </p:nvPr>
+        </p:nvPicPr>
+        <p:blipFill>
+          <a:blip r:embed="rId3">
+            <a:extLst>
+              <a:ext uri="{28A0092B-C50C-407E-A947-70E740481C1C}">
+                <a14:useLocalDpi xmlns:a14="http://schemas.microsoft.com/office/drawing/2010/main" val="0"/>
+              </a:ext>
+            </a:extLst>
+          </a:blip>
+          <a:srcRect/>
+          <a:stretch>
+            <a:fillRect/>
+          </a:stretch>
+        </p:blipFill>
+        <p:spPr bwMode="auto">
+          <a:xfrm>
+            <a:off x="2271713" y="1347392"/>
+            <a:ext cx="7500937" cy="5414371"/>
+          </a:xfrm>
+          <a:prstGeom prst="rect">
+            <a:avLst/>
+          </a:prstGeom>
+          <a:noFill/>
+          <a:extLst>
+            <a:ext uri="{909E8E84-426E-40DD-AFC4-6F175D3DCCD1}">
+              <a14:hiddenFill xmlns:a14="http://schemas.microsoft.com/office/drawing/2010/main">
+                <a:solidFill>
+                  <a:srgbClr val="FFFFFF"/>
+                </a:solidFill>
+              </a14:hiddenFill>
+            </a:ext>
+          </a:extLst>
+        </p:spPr>
+      </p:pic>
+    </p:spTree>
+    <p:extLst>
+      <p:ext uri="{BB962C8B-B14F-4D97-AF65-F5344CB8AC3E}">
+        <p14:creationId xmlns:p14="http://schemas.microsoft.com/office/powerpoint/2010/main" val="1979288834"/>
+      </p:ext>
+    </p:extLst>
+  </p:cSld>
+  <p:clrMapOvr>
+    <a:masterClrMapping/>
+  </p:clrMapOvr>
+</p:sld>
+</file>
+
+<file path=ppt/slides/slide31.xml><?xml version="1.0" encoding="utf-8"?>
+<p:sld xmlns:a="http://schemas.openxmlformats.org/drawingml/2006/main" xmlns:r="http://schemas.openxmlformats.org/officeDocument/2006/relationships" xmlns:p="http://schemas.openxmlformats.org/presentationml/2006/main">
+  <p:cSld>
+    <p:spTree>
+      <p:nvGrpSpPr>
+        <p:cNvPr id="1" name=""/>
+        <p:cNvGrpSpPr/>
+        <p:nvPr/>
+      </p:nvGrpSpPr>
+      <p:grpSpPr>
+        <a:xfrm>
+          <a:off x="0" y="0"/>
+          <a:ext cx="0" cy="0"/>
+          <a:chOff x="0" y="0"/>
+          <a:chExt cx="0" cy="0"/>
+        </a:xfrm>
+      </p:grpSpPr>
+      <p:sp>
+        <p:nvSpPr>
+          <p:cNvPr id="2" name="Title 1"/>
+          <p:cNvSpPr>
+            <a:spLocks noGrp="1"/>
+          </p:cNvSpPr>
+          <p:nvPr>
+            <p:ph type="title"/>
+          </p:nvPr>
+        </p:nvSpPr>
+        <p:spPr/>
+        <p:txBody>
+          <a:bodyPr/>
+          <a:lstStyle/>
+          <a:p>
+            <a:r>
+              <a:rPr lang="en-US" altLang="zh-CN" dirty="0"/>
+              <a:t>MYCAT</a:t>
+            </a:r>
+            <a:r>
+              <a:rPr lang="zh-CN" altLang="en-US" dirty="0"/>
+              <a:t>架构图</a:t>
+            </a:r>
+            <a:endParaRPr lang="en-US" dirty="0"/>
+          </a:p>
+        </p:txBody>
+      </p:sp>
+      <p:sp>
+        <p:nvSpPr>
+          <p:cNvPr id="3" name="Content Placeholder 2"/>
+          <p:cNvSpPr>
+            <a:spLocks noGrp="1"/>
+          </p:cNvSpPr>
+          <p:nvPr>
+            <p:ph idx="1"/>
+          </p:nvPr>
+        </p:nvSpPr>
+        <p:spPr/>
+        <p:txBody>
+          <a:bodyPr/>
+          <a:lstStyle/>
+          <a:p>
+            <a:endParaRPr lang="en-US"/>
+          </a:p>
+        </p:txBody>
+      </p:sp>
+      <p:pic>
+        <p:nvPicPr>
+          <p:cNvPr id="4" name="Picture 4" descr="http://www.mycat.io/index_files/arc.png"/>
+          <p:cNvPicPr>
+            <a:picLocks noChangeAspect="1" noChangeArrowheads="1"/>
+          </p:cNvPicPr>
+          <p:nvPr/>
+        </p:nvPicPr>
+        <p:blipFill>
+          <a:blip r:embed="rId3">
+            <a:extLst>
+              <a:ext uri="{28A0092B-C50C-407E-A947-70E740481C1C}">
+                <a14:useLocalDpi xmlns:a14="http://schemas.microsoft.com/office/drawing/2010/main" val="0"/>
+              </a:ext>
+            </a:extLst>
+          </a:blip>
+          <a:srcRect/>
+          <a:stretch>
+            <a:fillRect/>
+          </a:stretch>
+        </p:blipFill>
+        <p:spPr bwMode="auto">
+          <a:xfrm>
+            <a:off x="838200" y="1825625"/>
+            <a:ext cx="8614558" cy="4810506"/>
+          </a:xfrm>
+          <a:prstGeom prst="rect">
+            <a:avLst/>
+          </a:prstGeom>
+          <a:noFill/>
+          <a:extLst>
+            <a:ext uri="{909E8E84-426E-40DD-AFC4-6F175D3DCCD1}">
+              <a14:hiddenFill xmlns:a14="http://schemas.microsoft.com/office/drawing/2010/main">
+                <a:solidFill>
+                  <a:srgbClr val="FFFFFF"/>
+                </a:solidFill>
+              </a14:hiddenFill>
+            </a:ext>
+          </a:extLst>
+        </p:spPr>
+      </p:pic>
+    </p:spTree>
+    <p:extLst>
+      <p:ext uri="{BB962C8B-B14F-4D97-AF65-F5344CB8AC3E}">
+        <p14:creationId xmlns:p14="http://schemas.microsoft.com/office/powerpoint/2010/main" val="947853616"/>
+      </p:ext>
+    </p:extLst>
+  </p:cSld>
+  <p:clrMapOvr>
+    <a:masterClrMapping/>
+  </p:clrMapOvr>
+</p:sld>
+</file>
+
+<file path=ppt/slides/slide32.xml><?xml version="1.0" encoding="utf-8"?>
+<p:sld xmlns:a="http://schemas.openxmlformats.org/drawingml/2006/main" xmlns:r="http://schemas.openxmlformats.org/officeDocument/2006/relationships" xmlns:p="http://schemas.openxmlformats.org/presentationml/2006/main">
+  <p:cSld>
+    <p:spTree>
+      <p:nvGrpSpPr>
+        <p:cNvPr id="1" name=""/>
+        <p:cNvGrpSpPr/>
+        <p:nvPr/>
+      </p:nvGrpSpPr>
+      <p:grpSpPr>
+        <a:xfrm>
+          <a:off x="0" y="0"/>
+          <a:ext cx="0" cy="0"/>
+          <a:chOff x="0" y="0"/>
+          <a:chExt cx="0" cy="0"/>
+        </a:xfrm>
+      </p:grpSpPr>
+      <p:sp>
+        <p:nvSpPr>
+          <p:cNvPr id="2" name="Title 1"/>
+          <p:cNvSpPr>
+            <a:spLocks noGrp="1"/>
+          </p:cNvSpPr>
+          <p:nvPr>
+            <p:ph type="title"/>
+          </p:nvPr>
+        </p:nvSpPr>
+        <p:spPr/>
+        <p:txBody>
+          <a:bodyPr/>
+          <a:lstStyle/>
+          <a:p>
+            <a:r>
+              <a:rPr lang="zh-CN" altLang="en-US" dirty="0" smtClean="0"/>
+              <a:t>分库分表后的问题</a:t>
+            </a:r>
+            <a:endParaRPr lang="en-US" dirty="0"/>
+          </a:p>
+        </p:txBody>
+      </p:sp>
+      <p:sp>
+        <p:nvSpPr>
+          <p:cNvPr id="3" name="Content Placeholder 2"/>
+          <p:cNvSpPr>
+            <a:spLocks noGrp="1"/>
+          </p:cNvSpPr>
+          <p:nvPr>
+            <p:ph idx="1"/>
+          </p:nvPr>
+        </p:nvSpPr>
+        <p:spPr/>
+        <p:txBody>
+          <a:bodyPr/>
+          <a:lstStyle/>
+          <a:p>
+            <a:r>
+              <a:rPr lang="zh-CN" altLang="en-US" dirty="0" smtClean="0"/>
+              <a:t>数据跨表</a:t>
+            </a:r>
+            <a:r>
+              <a:rPr lang="en-US" altLang="zh-CN" dirty="0" smtClean="0"/>
+              <a:t>Join</a:t>
+            </a:r>
+          </a:p>
+          <a:p>
+            <a:pPr lvl="1"/>
+            <a:r>
+              <a:rPr lang="zh-CN" altLang="en-US" dirty="0" smtClean="0"/>
+              <a:t>中间件</a:t>
+            </a:r>
+            <a:endParaRPr lang="en-US" altLang="zh-CN" dirty="0" smtClean="0"/>
+          </a:p>
+          <a:p>
+            <a:pPr lvl="1"/>
+            <a:r>
+              <a:rPr lang="zh-CN" altLang="en-US" dirty="0" smtClean="0"/>
+              <a:t>分次查询，逻辑</a:t>
+            </a:r>
+            <a:r>
+              <a:rPr lang="en-US" altLang="zh-CN" dirty="0" smtClean="0"/>
+              <a:t>join</a:t>
+            </a:r>
+            <a:endParaRPr lang="en-US" altLang="zh-CN" dirty="0" smtClean="0"/>
+          </a:p>
+          <a:p>
+            <a:r>
+              <a:rPr lang="zh-CN" altLang="en-US" dirty="0" smtClean="0"/>
+              <a:t>不同维度查询（买家订单，卖家订单）</a:t>
+            </a:r>
+            <a:endParaRPr lang="en-US" altLang="zh-CN" dirty="0" smtClean="0"/>
+          </a:p>
+          <a:p>
+            <a:pPr lvl="1"/>
+            <a:r>
+              <a:rPr lang="zh-CN" altLang="en-US" dirty="0" smtClean="0"/>
+              <a:t>冗余</a:t>
+            </a:r>
+            <a:endParaRPr lang="en-US" altLang="zh-CN" dirty="0" smtClean="0"/>
+          </a:p>
+          <a:p>
+            <a:pPr lvl="1"/>
+            <a:r>
+              <a:rPr lang="zh-CN" altLang="en-US" dirty="0" smtClean="0"/>
+              <a:t>搜索</a:t>
+            </a:r>
+            <a:r>
+              <a:rPr lang="zh-CN" altLang="en-US" dirty="0" smtClean="0"/>
+              <a:t>引擎</a:t>
+            </a:r>
+            <a:endParaRPr lang="en-US" altLang="zh-CN" dirty="0" smtClean="0"/>
+          </a:p>
+          <a:p>
+            <a:r>
+              <a:rPr lang="zh-CN" altLang="en-US" dirty="0" smtClean="0"/>
+              <a:t>扩容相关</a:t>
+            </a:r>
+            <a:endParaRPr lang="en-US" altLang="zh-CN" dirty="0" smtClean="0"/>
+          </a:p>
+          <a:p>
+            <a:pPr lvl="1"/>
+            <a:r>
+              <a:rPr lang="en-US" altLang="zh-CN" dirty="0" err="1" smtClean="0"/>
+              <a:t>cobar</a:t>
+            </a:r>
+            <a:r>
+              <a:rPr lang="en-US" altLang="zh-CN" dirty="0" smtClean="0"/>
+              <a:t>/</a:t>
+            </a:r>
+            <a:r>
+              <a:rPr lang="en-US" altLang="zh-CN" dirty="0" err="1" smtClean="0"/>
+              <a:t>mycat</a:t>
+            </a:r>
+            <a:r>
+              <a:rPr lang="zh-CN" altLang="en-US" dirty="0" smtClean="0"/>
+              <a:t>无状态扩容</a:t>
+            </a:r>
+            <a:endParaRPr lang="en-US" altLang="zh-CN" dirty="0" smtClean="0"/>
+          </a:p>
+          <a:p>
+            <a:pPr lvl="1"/>
+            <a:r>
+              <a:rPr lang="en-US" altLang="zh-CN" dirty="0" smtClean="0"/>
+              <a:t>MySQL</a:t>
+            </a:r>
+            <a:r>
+              <a:rPr lang="zh-CN" altLang="en-US" dirty="0" smtClean="0"/>
+              <a:t>数据迁移</a:t>
+            </a:r>
+            <a:endParaRPr lang="en-US" altLang="zh-CN" dirty="0" smtClean="0"/>
+          </a:p>
+          <a:p>
+            <a:pPr lvl="1"/>
+            <a:endParaRPr lang="en-US" altLang="zh-CN" dirty="0" smtClean="0"/>
+          </a:p>
+          <a:p>
+            <a:pPr lvl="1"/>
+            <a:endParaRPr lang="en-US" dirty="0"/>
+          </a:p>
+        </p:txBody>
+      </p:sp>
+    </p:spTree>
+    <p:extLst>
+      <p:ext uri="{BB962C8B-B14F-4D97-AF65-F5344CB8AC3E}">
+        <p14:creationId xmlns:p14="http://schemas.microsoft.com/office/powerpoint/2010/main" val="953135802"/>
+      </p:ext>
+    </p:extLst>
+  </p:cSld>
+  <p:clrMapOvr>
+    <a:masterClrMapping/>
+  </p:clrMapOvr>
+  <p:timing>
+    <p:tnLst>
+      <p:par>
+        <p:cTn id="1" dur="indefinite" restart="never" nodeType="tmRoot"/>
+      </p:par>
+    </p:tnLst>
+  </p:timing>
+</p:sld>
+</file>
+
+<file path=ppt/slides/slide33.xml><?xml version="1.0" encoding="utf-8"?>
+<p:sld xmlns:a="http://schemas.openxmlformats.org/drawingml/2006/main" xmlns:r="http://schemas.openxmlformats.org/officeDocument/2006/relationships" xmlns:p="http://schemas.openxmlformats.org/presentationml/2006/main">
+  <p:cSld>
+    <p:spTree>
+      <p:nvGrpSpPr>
+        <p:cNvPr id="1" name=""/>
+        <p:cNvGrpSpPr/>
+        <p:nvPr/>
+      </p:nvGrpSpPr>
+      <p:grpSpPr>
+        <a:xfrm>
+          <a:off x="0" y="0"/>
+          <a:ext cx="0" cy="0"/>
+          <a:chOff x="0" y="0"/>
+          <a:chExt cx="0" cy="0"/>
+        </a:xfrm>
+      </p:grpSpPr>
+      <p:sp>
+        <p:nvSpPr>
+          <p:cNvPr id="2" name="Title 1"/>
+          <p:cNvSpPr>
+            <a:spLocks noGrp="1"/>
+          </p:cNvSpPr>
+          <p:nvPr>
+            <p:ph type="title"/>
+          </p:nvPr>
+        </p:nvSpPr>
+        <p:spPr/>
+        <p:txBody>
+          <a:bodyPr/>
+          <a:lstStyle/>
+          <a:p>
+            <a:endParaRPr lang="en-US" dirty="0"/>
+          </a:p>
+        </p:txBody>
+      </p:sp>
+      <p:pic>
+        <p:nvPicPr>
+          <p:cNvPr id="5" name="Content Placeholder 4"/>
+          <p:cNvPicPr>
+            <a:picLocks noGrp="1" noChangeAspect="1"/>
+          </p:cNvPicPr>
+          <p:nvPr>
+            <p:ph idx="1"/>
+          </p:nvPr>
+        </p:nvPicPr>
+        <p:blipFill>
+          <a:blip r:embed="rId2"/>
+          <a:stretch>
+            <a:fillRect/>
+          </a:stretch>
+        </p:blipFill>
+        <p:spPr>
+          <a:xfrm>
+            <a:off x="2893742" y="1825625"/>
+            <a:ext cx="6404516" cy="4351338"/>
+          </a:xfrm>
+          <a:prstGeom prst="rect">
+            <a:avLst/>
+          </a:prstGeom>
+        </p:spPr>
+      </p:pic>
+    </p:spTree>
+    <p:extLst>
+      <p:ext uri="{BB962C8B-B14F-4D97-AF65-F5344CB8AC3E}">
+        <p14:creationId xmlns:p14="http://schemas.microsoft.com/office/powerpoint/2010/main" val="1603742581"/>
+      </p:ext>
+    </p:extLst>
+  </p:cSld>
+  <p:clrMapOvr>
+    <a:masterClrMapping/>
+  </p:clrMapOvr>
+</p:sld>
+</file>
+
+<file path=ppt/slides/slide34.xml><?xml version="1.0" encoding="utf-8"?>
+<p:sld xmlns:a="http://schemas.openxmlformats.org/drawingml/2006/main" xmlns:r="http://schemas.openxmlformats.org/officeDocument/2006/relationships" xmlns:p="http://schemas.openxmlformats.org/presentationml/2006/main">
+  <p:cSld>
+    <p:spTree>
+      <p:nvGrpSpPr>
+        <p:cNvPr id="1" name=""/>
+        <p:cNvGrpSpPr/>
+        <p:nvPr/>
+      </p:nvGrpSpPr>
+      <p:grpSpPr>
+        <a:xfrm>
+          <a:off x="0" y="0"/>
+          <a:ext cx="0" cy="0"/>
+          <a:chOff x="0" y="0"/>
+          <a:chExt cx="0" cy="0"/>
+        </a:xfrm>
+      </p:grpSpPr>
+      <p:sp>
+        <p:nvSpPr>
+          <p:cNvPr id="2" name="Title 1"/>
+          <p:cNvSpPr>
+            <a:spLocks noGrp="1"/>
+          </p:cNvSpPr>
+          <p:nvPr>
+            <p:ph type="title"/>
+          </p:nvPr>
+        </p:nvSpPr>
+        <p:spPr/>
+        <p:txBody>
+          <a:bodyPr/>
+          <a:lstStyle/>
+          <a:p>
+            <a:r>
+              <a:rPr lang="zh-CN" altLang="en-US" dirty="0" smtClean="0"/>
+              <a:t>数据库编码规约</a:t>
+            </a:r>
+            <a:endParaRPr lang="en-US" dirty="0"/>
+          </a:p>
+        </p:txBody>
+      </p:sp>
+      <p:sp>
+        <p:nvSpPr>
+          <p:cNvPr id="3" name="Content Placeholder 2"/>
+          <p:cNvSpPr>
+            <a:spLocks noGrp="1"/>
+          </p:cNvSpPr>
+          <p:nvPr>
+            <p:ph idx="1"/>
+          </p:nvPr>
+        </p:nvSpPr>
+        <p:spPr/>
+        <p:txBody>
+          <a:bodyPr/>
+          <a:lstStyle/>
+          <a:p>
+            <a:r>
+              <a:rPr lang="en-US" altLang="zh-CN" dirty="0"/>
+              <a:t>【</a:t>
+            </a:r>
+            <a:r>
+              <a:rPr lang="zh-CN" altLang="en-US" dirty="0"/>
+              <a:t>推荐</a:t>
+            </a:r>
+            <a:r>
+              <a:rPr lang="en-US" altLang="zh-CN" dirty="0"/>
+              <a:t>】</a:t>
+            </a:r>
+            <a:r>
+              <a:rPr lang="zh-CN" altLang="en-US" dirty="0"/>
+              <a:t>单表行数超过 </a:t>
+            </a:r>
+            <a:r>
+              <a:rPr lang="en-US" altLang="zh-CN" dirty="0"/>
+              <a:t>500 </a:t>
+            </a:r>
+            <a:r>
+              <a:rPr lang="zh-CN" altLang="en-US" dirty="0"/>
+              <a:t>万行或者单表容量超过 </a:t>
+            </a:r>
+            <a:r>
+              <a:rPr lang="en-US" altLang="zh-CN" dirty="0"/>
+              <a:t>2GB</a:t>
+            </a:r>
+            <a:r>
+              <a:rPr lang="zh-CN" altLang="en-US" dirty="0"/>
+              <a:t>，才推荐进行分库分表。 说明</a:t>
+            </a:r>
+            <a:r>
+              <a:rPr lang="en-US" altLang="zh-CN" dirty="0"/>
+              <a:t>:</a:t>
+            </a:r>
+            <a:r>
+              <a:rPr lang="zh-CN" altLang="en-US" dirty="0"/>
+              <a:t>如果预计三年后的数据量根本达不到这个级别，请不要在创建表时就分库分表。 </a:t>
+            </a:r>
+            <a:endParaRPr lang="zh-CN" altLang="en-US" dirty="0" smtClean="0"/>
+          </a:p>
+          <a:p>
+            <a:r>
+              <a:rPr lang="en-US" altLang="zh-CN" dirty="0"/>
+              <a:t>【</a:t>
+            </a:r>
+            <a:r>
+              <a:rPr lang="zh-CN" altLang="en-US" dirty="0"/>
+              <a:t>强制</a:t>
+            </a:r>
+            <a:r>
+              <a:rPr lang="en-US" altLang="zh-CN" dirty="0"/>
+              <a:t>】</a:t>
+            </a:r>
+            <a:r>
+              <a:rPr lang="zh-CN" altLang="en-US" dirty="0"/>
+              <a:t>超过三个表禁止 </a:t>
+            </a:r>
+            <a:r>
+              <a:rPr lang="en-US" altLang="zh-CN" dirty="0"/>
+              <a:t>join</a:t>
+            </a:r>
+            <a:r>
+              <a:rPr lang="zh-CN" altLang="en-US" dirty="0"/>
+              <a:t>。需要 </a:t>
+            </a:r>
+            <a:r>
+              <a:rPr lang="en-US" altLang="zh-CN" dirty="0"/>
+              <a:t>join </a:t>
+            </a:r>
+            <a:r>
+              <a:rPr lang="zh-CN" altLang="en-US" dirty="0"/>
+              <a:t>的字段，数据类型必须绝对一致</a:t>
+            </a:r>
+            <a:r>
+              <a:rPr lang="en-US" altLang="zh-CN" dirty="0"/>
+              <a:t>;</a:t>
+            </a:r>
+            <a:r>
+              <a:rPr lang="zh-CN" altLang="en-US" dirty="0"/>
+              <a:t>多表关联查询时， 保证被关联的字段需要有索引。</a:t>
+            </a:r>
+            <a:br>
+              <a:rPr lang="zh-CN" altLang="en-US" dirty="0"/>
+            </a:br>
+            <a:r>
+              <a:rPr lang="zh-CN" altLang="en-US" dirty="0"/>
+              <a:t>说明</a:t>
+            </a:r>
+            <a:r>
+              <a:rPr lang="en-US" altLang="zh-CN" dirty="0"/>
+              <a:t>:</a:t>
+            </a:r>
+            <a:r>
+              <a:rPr lang="zh-CN" altLang="en-US" dirty="0"/>
+              <a:t>即使双表 </a:t>
+            </a:r>
+            <a:r>
+              <a:rPr lang="en-US" altLang="zh-CN" dirty="0"/>
+              <a:t>join </a:t>
+            </a:r>
+            <a:r>
+              <a:rPr lang="zh-CN" altLang="en-US" dirty="0"/>
+              <a:t>也要注意表索引、</a:t>
+            </a:r>
+            <a:r>
+              <a:rPr lang="en-US" altLang="zh-CN" dirty="0"/>
+              <a:t>SQL </a:t>
+            </a:r>
+            <a:r>
+              <a:rPr lang="zh-CN" altLang="en-US" dirty="0"/>
+              <a:t>性能。 </a:t>
+            </a:r>
+          </a:p>
+          <a:p>
+            <a:r>
+              <a:rPr lang="en-US" altLang="zh-CN" dirty="0"/>
+              <a:t>【</a:t>
+            </a:r>
+            <a:r>
+              <a:rPr lang="zh-CN" altLang="en-US" dirty="0"/>
+              <a:t>强制</a:t>
+            </a:r>
+            <a:r>
+              <a:rPr lang="en-US" altLang="zh-CN" dirty="0"/>
+              <a:t>】</a:t>
+            </a:r>
+            <a:r>
+              <a:rPr lang="zh-CN" altLang="en-US" dirty="0"/>
+              <a:t>不得使用外键与级联，一切外键概念必须在应用层解决。 </a:t>
+            </a:r>
+          </a:p>
+          <a:p>
+            <a:r>
+              <a:rPr lang="en-US" altLang="zh-CN" dirty="0"/>
+              <a:t>【</a:t>
+            </a:r>
+            <a:r>
+              <a:rPr lang="zh-CN" altLang="en-US" dirty="0"/>
+              <a:t>强制</a:t>
+            </a:r>
+            <a:r>
+              <a:rPr lang="en-US" altLang="zh-CN" dirty="0"/>
+              <a:t>】</a:t>
+            </a:r>
+            <a:r>
+              <a:rPr lang="zh-CN" altLang="en-US" dirty="0"/>
+              <a:t>禁止使用存储过程，存储过程难以调试和扩展，更没有移植性。 </a:t>
+            </a:r>
+          </a:p>
+          <a:p>
+            <a:endParaRPr lang="en-US" dirty="0"/>
+          </a:p>
+        </p:txBody>
+      </p:sp>
+    </p:spTree>
+    <p:extLst>
+      <p:ext uri="{BB962C8B-B14F-4D97-AF65-F5344CB8AC3E}">
+        <p14:creationId xmlns:p14="http://schemas.microsoft.com/office/powerpoint/2010/main" val="1272901241"/>
+      </p:ext>
+    </p:extLst>
+  </p:cSld>
+  <p:clrMapOvr>
+    <a:masterClrMapping/>
+  </p:clrMapOvr>
+  <p:timing>
+    <p:tnLst>
+      <p:par>
+        <p:cTn id="1" dur="indefinite" restart="never" nodeType="tmRoot"/>
+      </p:par>
+    </p:tnLst>
+  </p:timing>
+</p:sld>
+</file>
+
+<file path=ppt/slides/slide35.xml><?xml version="1.0" encoding="utf-8"?>
+<p:sld xmlns:a="http://schemas.openxmlformats.org/drawingml/2006/main" xmlns:r="http://schemas.openxmlformats.org/officeDocument/2006/relationships" xmlns:p="http://schemas.openxmlformats.org/presentationml/2006/main">
+  <p:cSld>
+    <p:spTree>
+      <p:nvGrpSpPr>
+        <p:cNvPr id="1" name=""/>
+        <p:cNvGrpSpPr/>
+        <p:nvPr/>
+      </p:nvGrpSpPr>
+      <p:grpSpPr>
+        <a:xfrm>
+          <a:off x="0" y="0"/>
+          <a:ext cx="0" cy="0"/>
+          <a:chOff x="0" y="0"/>
+          <a:chExt cx="0" cy="0"/>
+        </a:xfrm>
+      </p:grpSpPr>
+      <p:sp>
+        <p:nvSpPr>
+          <p:cNvPr id="2" name="Title 1"/>
+          <p:cNvSpPr>
+            <a:spLocks noGrp="1"/>
+          </p:cNvSpPr>
+          <p:nvPr>
+            <p:ph type="title"/>
+          </p:nvPr>
+        </p:nvSpPr>
+        <p:spPr/>
+        <p:txBody>
+          <a:bodyPr/>
+          <a:lstStyle/>
+          <a:p>
+            <a:r>
+              <a:rPr lang="en-US" altLang="zh-CN" dirty="0" smtClean="0"/>
+              <a:t>NoSQL</a:t>
+            </a:r>
+            <a:r>
+              <a:rPr lang="zh-CN" altLang="en-US" dirty="0" smtClean="0"/>
+              <a:t>数据库的伸缩性设计</a:t>
+            </a:r>
+            <a:endParaRPr lang="en-US" dirty="0"/>
+          </a:p>
+        </p:txBody>
+      </p:sp>
+      <p:sp>
+        <p:nvSpPr>
+          <p:cNvPr id="3" name="Content Placeholder 2"/>
+          <p:cNvSpPr>
+            <a:spLocks noGrp="1"/>
+          </p:cNvSpPr>
+          <p:nvPr>
+            <p:ph idx="1"/>
+          </p:nvPr>
+        </p:nvSpPr>
+        <p:spPr/>
+        <p:txBody>
+          <a:bodyPr>
+            <a:normAutofit fontScale="92500"/>
+          </a:bodyPr>
+          <a:lstStyle/>
+          <a:p>
+            <a:r>
+              <a:rPr lang="en-US" altLang="zh-CN" dirty="0"/>
+              <a:t>NoSQL,</a:t>
+            </a:r>
+            <a:r>
+              <a:rPr lang="zh-CN" altLang="en-US" dirty="0"/>
+              <a:t>主要指非关系的、分布式的数据库设计模式。也有许多专家将 </a:t>
+            </a:r>
+            <a:r>
+              <a:rPr lang="en-US" altLang="zh-CN" dirty="0"/>
+              <a:t>NSQL </a:t>
+            </a:r>
+            <a:r>
+              <a:rPr lang="zh-CN" altLang="en-US" dirty="0" smtClean="0"/>
+              <a:t>解读为</a:t>
+            </a:r>
+            <a:r>
+              <a:rPr lang="en-US" altLang="zh-CN" dirty="0"/>
+              <a:t>Not Only SQL,</a:t>
+            </a:r>
+            <a:r>
+              <a:rPr lang="zh-CN" altLang="en-US" dirty="0"/>
+              <a:t>表示</a:t>
+            </a:r>
+            <a:r>
+              <a:rPr lang="en-US" altLang="zh-CN" dirty="0"/>
+              <a:t>NoSQL</a:t>
+            </a:r>
+            <a:r>
+              <a:rPr lang="zh-CN" altLang="en-US" dirty="0"/>
+              <a:t>只是关系数据库的补充</a:t>
+            </a:r>
+            <a:r>
+              <a:rPr lang="en-US" altLang="zh-CN" dirty="0"/>
+              <a:t>,</a:t>
+            </a:r>
+            <a:r>
+              <a:rPr lang="zh-CN" altLang="en-US" dirty="0"/>
+              <a:t>而不是替代方案。一般而言</a:t>
+            </a:r>
+            <a:r>
+              <a:rPr lang="en-US" altLang="zh-CN" dirty="0"/>
+              <a:t>,</a:t>
+            </a:r>
+            <a:r>
+              <a:rPr lang="en-US" altLang="zh-CN" dirty="0" smtClean="0"/>
+              <a:t>NoSQL</a:t>
+            </a:r>
+            <a:r>
+              <a:rPr lang="zh-CN" altLang="en-US" dirty="0" smtClean="0"/>
+              <a:t>数据库</a:t>
+            </a:r>
+            <a:r>
+              <a:rPr lang="zh-CN" altLang="en-US" dirty="0"/>
+              <a:t>产品都放弃了关系数据库的两大重要基础</a:t>
+            </a:r>
+            <a:r>
+              <a:rPr lang="en-US" altLang="zh-CN" dirty="0"/>
+              <a:t>:</a:t>
+            </a:r>
+            <a:r>
+              <a:rPr lang="zh-CN" altLang="en-US" dirty="0"/>
+              <a:t>以关系代数为基础的结构化查询</a:t>
+            </a:r>
+            <a:r>
+              <a:rPr lang="zh-CN" altLang="en-US" dirty="0" smtClean="0"/>
+              <a:t>语言</a:t>
+            </a:r>
+            <a:r>
+              <a:rPr lang="en-US" altLang="zh-CN" dirty="0" smtClean="0"/>
+              <a:t>(</a:t>
+            </a:r>
+            <a:r>
+              <a:rPr lang="en-US" altLang="zh-CN" dirty="0"/>
+              <a:t>SQL)</a:t>
+            </a:r>
+            <a:r>
+              <a:rPr lang="zh-CN" altLang="en-US" dirty="0"/>
+              <a:t>和事务一致性保证</a:t>
+            </a:r>
+            <a:r>
+              <a:rPr lang="en-US" altLang="zh-CN" dirty="0"/>
+              <a:t>(ACID)</a:t>
+            </a:r>
+            <a:r>
+              <a:rPr lang="zh-CN" altLang="en-US" dirty="0"/>
+              <a:t>。而强化其他一些大型网站更关注的特性</a:t>
+            </a:r>
+            <a:r>
+              <a:rPr lang="en-US" altLang="zh-CN" dirty="0"/>
+              <a:t>:</a:t>
+            </a:r>
+            <a:r>
+              <a:rPr lang="zh-CN" altLang="en-US" dirty="0"/>
+              <a:t>高可用</a:t>
+            </a:r>
+            <a:r>
+              <a:rPr lang="zh-CN" altLang="en-US" dirty="0" smtClean="0"/>
+              <a:t>性和</a:t>
+            </a:r>
+            <a:r>
+              <a:rPr lang="zh-CN" altLang="en-US" dirty="0"/>
+              <a:t>可伸缩性。</a:t>
+            </a:r>
+          </a:p>
+          <a:p>
+            <a:r>
+              <a:rPr lang="zh-CN" altLang="en-US" dirty="0"/>
+              <a:t>开源社区有各种</a:t>
+            </a:r>
+            <a:r>
+              <a:rPr lang="en-US" altLang="zh-CN" dirty="0" smtClean="0"/>
+              <a:t>NOSOL</a:t>
+            </a:r>
+            <a:r>
+              <a:rPr lang="zh-CN" altLang="en-US" dirty="0"/>
+              <a:t>产品</a:t>
+            </a:r>
+            <a:r>
+              <a:rPr lang="en-US" altLang="zh-CN" dirty="0"/>
+              <a:t>,</a:t>
+            </a:r>
+            <a:r>
+              <a:rPr lang="zh-CN" altLang="en-US" dirty="0"/>
+              <a:t>其支持的数据结构和伸缩特性也各不相同</a:t>
+            </a:r>
+            <a:r>
+              <a:rPr lang="en-US" altLang="zh-CN" dirty="0"/>
+              <a:t>,</a:t>
+            </a:r>
+            <a:r>
+              <a:rPr lang="zh-CN" altLang="en-US" dirty="0"/>
+              <a:t>目前看来</a:t>
+            </a:r>
+            <a:r>
+              <a:rPr lang="en-US" altLang="zh-CN" dirty="0" smtClean="0"/>
+              <a:t>,</a:t>
+            </a:r>
+            <a:r>
+              <a:rPr lang="zh-CN" altLang="en-US" dirty="0" smtClean="0"/>
+              <a:t>应用比较广泛的有</a:t>
+            </a:r>
+            <a:endParaRPr lang="en-US" altLang="zh-CN" dirty="0" smtClean="0"/>
+          </a:p>
+          <a:p>
+            <a:pPr lvl="1"/>
+            <a:r>
+              <a:rPr lang="en-US" altLang="zh-CN" dirty="0" smtClean="0"/>
+              <a:t>Apache </a:t>
+            </a:r>
+            <a:r>
+              <a:rPr lang="en-US" altLang="zh-CN" dirty="0" err="1" smtClean="0"/>
+              <a:t>HBase</a:t>
+            </a:r>
+            <a:endParaRPr lang="en-US" altLang="zh-CN" dirty="0" smtClean="0"/>
+          </a:p>
+          <a:p>
+            <a:pPr lvl="1"/>
+            <a:r>
+              <a:rPr lang="en-US" altLang="zh-CN" dirty="0" err="1" smtClean="0"/>
+              <a:t>Redis</a:t>
+            </a:r>
+            <a:endParaRPr lang="en-US" altLang="zh-CN" dirty="0" smtClean="0"/>
+          </a:p>
+          <a:p>
+            <a:pPr lvl="1"/>
+            <a:r>
+              <a:rPr lang="en-US" altLang="zh-CN" dirty="0" err="1" smtClean="0"/>
+              <a:t>Memcached</a:t>
+            </a:r>
+            <a:endParaRPr lang="en-US" altLang="zh-CN" dirty="0" smtClean="0"/>
+          </a:p>
+          <a:p>
+            <a:pPr lvl="1"/>
+            <a:r>
+              <a:rPr lang="en-US" altLang="zh-CN" dirty="0" smtClean="0"/>
+              <a:t>MongoDB</a:t>
+            </a:r>
+          </a:p>
+          <a:p>
+            <a:pPr lvl="1"/>
+            <a:endParaRPr lang="en-US" altLang="zh-CN" dirty="0"/>
+          </a:p>
+          <a:p>
+            <a:endParaRPr lang="en-US" dirty="0"/>
+          </a:p>
+        </p:txBody>
+      </p:sp>
+    </p:spTree>
+    <p:extLst>
+      <p:ext uri="{BB962C8B-B14F-4D97-AF65-F5344CB8AC3E}">
+        <p14:creationId xmlns:p14="http://schemas.microsoft.com/office/powerpoint/2010/main" val="1923723176"/>
+      </p:ext>
+    </p:extLst>
+  </p:cSld>
+  <p:clrMapOvr>
+    <a:masterClrMapping/>
+  </p:clrMapOvr>
+</p:sld>
+</file>
+
+<file path=ppt/slides/slide36.xml><?xml version="1.0" encoding="utf-8"?>
+<p:sld xmlns:a="http://schemas.openxmlformats.org/drawingml/2006/main" xmlns:r="http://schemas.openxmlformats.org/officeDocument/2006/relationships" xmlns:p="http://schemas.openxmlformats.org/presentationml/2006/main">
+  <p:cSld>
+    <p:spTree>
+      <p:nvGrpSpPr>
+        <p:cNvPr id="1" name=""/>
+        <p:cNvGrpSpPr/>
+        <p:nvPr/>
+      </p:nvGrpSpPr>
+      <p:grpSpPr>
+        <a:xfrm>
+          <a:off x="0" y="0"/>
+          <a:ext cx="0" cy="0"/>
+          <a:chOff x="0" y="0"/>
+          <a:chExt cx="0" cy="0"/>
+        </a:xfrm>
+      </p:grpSpPr>
+      <p:sp>
+        <p:nvSpPr>
+          <p:cNvPr id="2" name="Title 1"/>
+          <p:cNvSpPr>
+            <a:spLocks noGrp="1"/>
+          </p:cNvSpPr>
+          <p:nvPr>
+            <p:ph type="title"/>
+          </p:nvPr>
+        </p:nvSpPr>
+        <p:spPr/>
+        <p:txBody>
+          <a:bodyPr/>
+          <a:lstStyle/>
+          <a:p>
+            <a:r>
+              <a:rPr lang="en-US" altLang="zh-CN" dirty="0" err="1" smtClean="0"/>
+              <a:t>Hbase</a:t>
+            </a:r>
+            <a:r>
+              <a:rPr lang="zh-CN" altLang="en-US" dirty="0" smtClean="0"/>
+              <a:t>线性伸缩</a:t>
+            </a:r>
+            <a:endParaRPr lang="en-US" dirty="0"/>
+          </a:p>
+        </p:txBody>
+      </p:sp>
+      <p:pic>
+        <p:nvPicPr>
+          <p:cNvPr id="4" name="Content Placeholder 3"/>
+          <p:cNvPicPr>
+            <a:picLocks noGrp="1" noChangeAspect="1"/>
+          </p:cNvPicPr>
+          <p:nvPr>
+            <p:ph idx="1"/>
+          </p:nvPr>
+        </p:nvPicPr>
+        <p:blipFill>
+          <a:blip r:embed="rId2"/>
+          <a:stretch>
+            <a:fillRect/>
+          </a:stretch>
+        </p:blipFill>
+        <p:spPr>
+          <a:xfrm>
+            <a:off x="0" y="1252259"/>
+            <a:ext cx="9153525" cy="2967901"/>
+          </a:xfrm>
+          <a:prstGeom prst="rect">
+            <a:avLst/>
+          </a:prstGeom>
+        </p:spPr>
+      </p:pic>
+      <p:pic>
+        <p:nvPicPr>
+          <p:cNvPr id="5" name="Picture 4"/>
+          <p:cNvPicPr>
+            <a:picLocks noChangeAspect="1"/>
+          </p:cNvPicPr>
+          <p:nvPr/>
+        </p:nvPicPr>
+        <p:blipFill>
+          <a:blip r:embed="rId3"/>
+          <a:stretch>
+            <a:fillRect/>
+          </a:stretch>
+        </p:blipFill>
+        <p:spPr>
+          <a:xfrm>
+            <a:off x="5314951" y="4102887"/>
+            <a:ext cx="6877049" cy="2755113"/>
+          </a:xfrm>
+          <a:prstGeom prst="rect">
+            <a:avLst/>
+          </a:prstGeom>
+        </p:spPr>
+      </p:pic>
+    </p:spTree>
+    <p:extLst>
+      <p:ext uri="{BB962C8B-B14F-4D97-AF65-F5344CB8AC3E}">
+        <p14:creationId xmlns:p14="http://schemas.microsoft.com/office/powerpoint/2010/main" val="1363257895"/>
+      </p:ext>
+    </p:extLst>
+  </p:cSld>
+  <p:clrMapOvr>
+    <a:masterClrMapping/>
+  </p:clrMapOvr>
+</p:sld>
+</file>
+
+<file path=ppt/slides/slide37.xml><?xml version="1.0" encoding="utf-8"?>
+<p:sld xmlns:a="http://schemas.openxmlformats.org/drawingml/2006/main" xmlns:r="http://schemas.openxmlformats.org/officeDocument/2006/relationships" xmlns:p="http://schemas.openxmlformats.org/presentationml/2006/main">
+  <p:cSld>
+    <p:spTree>
+      <p:nvGrpSpPr>
+        <p:cNvPr id="1" name=""/>
+        <p:cNvGrpSpPr/>
+        <p:nvPr/>
+      </p:nvGrpSpPr>
+      <p:grpSpPr>
+        <a:xfrm>
+          <a:off x="0" y="0"/>
+          <a:ext cx="0" cy="0"/>
+          <a:chOff x="0" y="0"/>
+          <a:chExt cx="0" cy="0"/>
+        </a:xfrm>
+      </p:grpSpPr>
+      <p:sp>
+        <p:nvSpPr>
+          <p:cNvPr id="2" name="Title 1"/>
+          <p:cNvSpPr>
+            <a:spLocks noGrp="1"/>
+          </p:cNvSpPr>
+          <p:nvPr>
+            <p:ph type="title"/>
+          </p:nvPr>
+        </p:nvSpPr>
+        <p:spPr/>
+        <p:txBody>
+          <a:bodyPr/>
+          <a:lstStyle/>
+          <a:p>
+            <a:r>
+              <a:rPr lang="zh-CN" altLang="en-US" dirty="0" smtClean="0"/>
+              <a:t>小结</a:t>
+            </a:r>
+            <a:endParaRPr lang="en-US" dirty="0"/>
+          </a:p>
+        </p:txBody>
+      </p:sp>
+      <p:sp>
+        <p:nvSpPr>
+          <p:cNvPr id="3" name="Content Placeholder 2"/>
+          <p:cNvSpPr>
+            <a:spLocks noGrp="1"/>
+          </p:cNvSpPr>
+          <p:nvPr>
+            <p:ph idx="1"/>
+          </p:nvPr>
+        </p:nvSpPr>
+        <p:spPr>
+          <a:xfrm>
+            <a:off x="838200" y="1825624"/>
+            <a:ext cx="10515600" cy="5260975"/>
+          </a:xfrm>
+        </p:spPr>
+        <p:txBody>
+          <a:bodyPr>
+            <a:normAutofit fontScale="92500" lnSpcReduction="20000"/>
+          </a:bodyPr>
+          <a:lstStyle/>
+          <a:p>
+            <a:r>
+              <a:rPr lang="zh-CN" altLang="en-US" dirty="0"/>
+              <a:t>伸缩性架构设计能力是网站架构师必须具备的能力。</a:t>
+            </a:r>
+          </a:p>
+          <a:p>
+            <a:r>
+              <a:rPr lang="zh-CN" altLang="en-US" dirty="0"/>
+              <a:t>伸缩性架构设计是简单的</a:t>
+            </a:r>
+            <a:r>
+              <a:rPr lang="en-US" altLang="zh-CN" dirty="0"/>
+              <a:t>,</a:t>
+            </a:r>
+            <a:r>
+              <a:rPr lang="zh-CN" altLang="en-US" dirty="0"/>
+              <a:t>因为几乎所有稍有规模的网站都必须是可伸缩的</a:t>
+            </a:r>
+            <a:r>
+              <a:rPr lang="en-US" altLang="zh-CN" dirty="0"/>
+              <a:t>,</a:t>
+            </a:r>
+            <a:r>
+              <a:rPr lang="zh-CN" altLang="en-US" dirty="0"/>
+              <a:t>有</a:t>
+            </a:r>
+            <a:r>
+              <a:rPr lang="zh-CN" altLang="en-US" dirty="0" smtClean="0"/>
+              <a:t>很多</a:t>
+            </a:r>
+            <a:r>
+              <a:rPr lang="zh-CN" altLang="en-US" dirty="0"/>
+              <a:t>案例可供借鉴</a:t>
+            </a:r>
+            <a:r>
+              <a:rPr lang="en-US" altLang="zh-CN" dirty="0"/>
+              <a:t>,</a:t>
+            </a:r>
+            <a:r>
+              <a:rPr lang="zh-CN" altLang="en-US" dirty="0"/>
+              <a:t>同时又有大量商业的、开源的提供伸缩性能力的软硬件产品可供选用</a:t>
+            </a:r>
+            <a:r>
+              <a:rPr lang="zh-CN" altLang="en-US" dirty="0" smtClean="0"/>
+              <a:t>。然而</a:t>
+            </a:r>
+            <a:r>
+              <a:rPr lang="zh-CN" altLang="en-US" dirty="0"/>
+              <a:t>伸缩性设计又是复杂的</a:t>
+            </a:r>
+            <a:r>
+              <a:rPr lang="en-US" altLang="zh-CN" dirty="0"/>
+              <a:t>,</a:t>
+            </a:r>
+            <a:r>
+              <a:rPr lang="zh-CN" altLang="en-US" dirty="0"/>
+              <a:t>没有通用的、完美的解决方案和产品</a:t>
+            </a:r>
+            <a:r>
+              <a:rPr lang="en-US" altLang="zh-CN" dirty="0"/>
+              <a:t>,</a:t>
+            </a:r>
+            <a:r>
+              <a:rPr lang="zh-CN" altLang="en-US" dirty="0"/>
+              <a:t>网站伸缩性往往</a:t>
+            </a:r>
+            <a:r>
+              <a:rPr lang="zh-CN" altLang="en-US" dirty="0" smtClean="0"/>
+              <a:t>和可</a:t>
+            </a:r>
+            <a:r>
+              <a:rPr lang="zh-CN" altLang="en-US" dirty="0"/>
+              <a:t>用性、正确性、性能等稠合在一起</a:t>
+            </a:r>
+            <a:r>
+              <a:rPr lang="en-US" altLang="zh-CN" dirty="0"/>
+              <a:t>,</a:t>
+            </a:r>
+            <a:r>
+              <a:rPr lang="zh-CN" altLang="en-US" dirty="0"/>
+              <a:t>改善伸缩性可能会影响一些网站的其他特性</a:t>
+            </a:r>
+            <a:r>
+              <a:rPr lang="en-US" altLang="zh-CN" dirty="0"/>
+              <a:t>,</a:t>
+            </a:r>
+            <a:r>
+              <a:rPr lang="zh-CN" altLang="en-US" dirty="0" smtClean="0"/>
+              <a:t>网站</a:t>
+            </a:r>
+            <a:r>
+              <a:rPr lang="zh-CN" altLang="en-US" dirty="0"/>
+              <a:t>架构师必须对网站的商业目标、历史演化、技术路线了然于胸</a:t>
+            </a:r>
+            <a:r>
+              <a:rPr lang="en-US" altLang="zh-CN" dirty="0"/>
+              <a:t>,</a:t>
+            </a:r>
+            <a:r>
+              <a:rPr lang="zh-CN" altLang="en-US" dirty="0"/>
+              <a:t>甚至还需要综合</a:t>
+            </a:r>
+            <a:r>
+              <a:rPr lang="zh-CN" altLang="en-US" dirty="0" smtClean="0"/>
+              <a:t>考虑技术</a:t>
+            </a:r>
+            <a:r>
+              <a:rPr lang="zh-CN" altLang="en-US" dirty="0"/>
+              <a:t>团队的知识储备和结构、管理层的战略愿景和规划</a:t>
+            </a:r>
+            <a:r>
+              <a:rPr lang="en-US" altLang="zh-CN" dirty="0"/>
+              <a:t>,</a:t>
+            </a:r>
+            <a:r>
+              <a:rPr lang="zh-CN" altLang="en-US" dirty="0"/>
+              <a:t>才能最终做出对网站伸缩性</a:t>
+            </a:r>
+            <a:r>
+              <a:rPr lang="zh-CN" altLang="en-US" dirty="0" smtClean="0"/>
+              <a:t>架构</a:t>
+            </a:r>
+            <a:r>
+              <a:rPr lang="zh-CN" altLang="en-US" dirty="0"/>
+              <a:t>最合适的决策。</a:t>
+            </a:r>
+          </a:p>
+          <a:p>
+            <a:r>
+              <a:rPr lang="zh-CN" altLang="en-US" dirty="0"/>
+              <a:t>一个具有良好伸缩性架构设计的网站</a:t>
+            </a:r>
+            <a:r>
+              <a:rPr lang="en-US" altLang="zh-CN" dirty="0"/>
+              <a:t>,</a:t>
+            </a:r>
+            <a:r>
+              <a:rPr lang="zh-CN" altLang="en-US" dirty="0"/>
+              <a:t>其设计总是走在业务发展的前面</a:t>
+            </a:r>
+            <a:r>
+              <a:rPr lang="en-US" altLang="zh-CN" dirty="0"/>
+              <a:t>,</a:t>
+            </a:r>
+            <a:r>
+              <a:rPr lang="zh-CN" altLang="en-US" dirty="0"/>
+              <a:t>在业务</a:t>
+            </a:r>
+            <a:r>
+              <a:rPr lang="zh-CN" altLang="en-US" dirty="0" smtClean="0"/>
+              <a:t>需要</a:t>
+            </a:r>
+            <a:r>
+              <a:rPr lang="zh-CN" altLang="en-US" dirty="0"/>
+              <a:t>处理更多访问和服务之前</a:t>
+            </a:r>
+            <a:r>
+              <a:rPr lang="en-US" altLang="zh-CN" dirty="0"/>
+              <a:t>,</a:t>
+            </a:r>
+            <a:r>
+              <a:rPr lang="zh-CN" altLang="en-US" dirty="0"/>
+              <a:t>就已经做好充足准备</a:t>
+            </a:r>
+            <a:r>
+              <a:rPr lang="en-US" altLang="zh-CN" dirty="0"/>
+              <a:t>,</a:t>
+            </a:r>
+            <a:r>
+              <a:rPr lang="zh-CN" altLang="en-US" dirty="0"/>
+              <a:t>当业务需要时</a:t>
+            </a:r>
+            <a:r>
+              <a:rPr lang="en-US" altLang="zh-CN" dirty="0"/>
+              <a:t>,</a:t>
+            </a:r>
+            <a:r>
+              <a:rPr lang="zh-CN" altLang="en-US" dirty="0"/>
+              <a:t>只需要购买或者</a:t>
+            </a:r>
+            <a:r>
+              <a:rPr lang="zh-CN" altLang="en-US" dirty="0" smtClean="0"/>
+              <a:t>租用</a:t>
+            </a:r>
+            <a:r>
+              <a:rPr lang="zh-CN" altLang="en-US" dirty="0"/>
+              <a:t>服务器简单部署实施就可以了</a:t>
+            </a:r>
+            <a:r>
+              <a:rPr lang="en-US" altLang="zh-CN" dirty="0"/>
+              <a:t>,</a:t>
+            </a:r>
+            <a:r>
+              <a:rPr lang="zh-CN" altLang="en-US" dirty="0"/>
+              <a:t>技术团队亦可高枕无忧。反之</a:t>
+            </a:r>
+            <a:r>
+              <a:rPr lang="en-US" altLang="zh-CN" dirty="0"/>
+              <a:t>,</a:t>
+            </a:r>
+            <a:r>
+              <a:rPr lang="zh-CN" altLang="en-US" dirty="0"/>
+              <a:t>设计和技术走在</a:t>
+            </a:r>
+            <a:r>
+              <a:rPr lang="zh-CN" altLang="en-US" dirty="0" smtClean="0"/>
+              <a:t>业务的</a:t>
+            </a:r>
+            <a:r>
+              <a:rPr lang="zh-CN" altLang="en-US" dirty="0"/>
+              <a:t>后面</a:t>
+            </a:r>
+            <a:r>
+              <a:rPr lang="en-US" altLang="zh-CN" dirty="0"/>
+              <a:t>,</a:t>
+            </a:r>
+            <a:r>
+              <a:rPr lang="zh-CN" altLang="en-US" dirty="0"/>
+              <a:t>采购来的机器根本就没办法加入集群</a:t>
+            </a:r>
+            <a:r>
+              <a:rPr lang="en-US" altLang="zh-CN" dirty="0"/>
+              <a:t>,</a:t>
+            </a:r>
+            <a:r>
+              <a:rPr lang="zh-CN" altLang="en-US" dirty="0"/>
+              <a:t>勉强加了进去</a:t>
+            </a:r>
+            <a:r>
+              <a:rPr lang="en-US" altLang="zh-CN" dirty="0"/>
+              <a:t>,</a:t>
+            </a:r>
+            <a:r>
+              <a:rPr lang="zh-CN" altLang="en-US" dirty="0"/>
+              <a:t>却发现瓶颈不在这里</a:t>
+            </a:r>
+            <a:r>
+              <a:rPr lang="en-US" altLang="zh-CN" dirty="0" smtClean="0"/>
+              <a:t>,</a:t>
+            </a:r>
+            <a:r>
+              <a:rPr lang="zh-CN" altLang="en-US" dirty="0" smtClean="0"/>
+              <a:t>系统</a:t>
+            </a:r>
+            <a:r>
+              <a:rPr lang="zh-CN" altLang="en-US" dirty="0"/>
+              <a:t>整体处理能力依然上不去。技术团队每天加班</a:t>
+            </a:r>
+            <a:r>
+              <a:rPr lang="en-US" altLang="zh-CN" dirty="0"/>
+              <a:t>,</a:t>
+            </a:r>
+            <a:r>
+              <a:rPr lang="zh-CN" altLang="en-US" dirty="0"/>
+              <a:t>却总是拖公司发展的后腿。</a:t>
+            </a:r>
+            <a:r>
+              <a:rPr lang="zh-CN" altLang="en-US" dirty="0" smtClean="0"/>
+              <a:t>架构师对</a:t>
+            </a:r>
+            <a:r>
+              <a:rPr lang="zh-CN" altLang="en-US" dirty="0"/>
+              <a:t>网站伸缩性的把握</a:t>
+            </a:r>
+            <a:r>
+              <a:rPr lang="en-US" altLang="zh-CN" dirty="0"/>
+              <a:t>,</a:t>
+            </a:r>
+            <a:r>
+              <a:rPr lang="zh-CN" altLang="en-US" dirty="0"/>
+              <a:t>一线之间</a:t>
+            </a:r>
+            <a:r>
+              <a:rPr lang="en-US" altLang="zh-CN" dirty="0"/>
+              <a:t>,</a:t>
+            </a:r>
+            <a:r>
+              <a:rPr lang="zh-CN" altLang="en-US" dirty="0"/>
+              <a:t>天堂和地狱</a:t>
+            </a:r>
+            <a:r>
+              <a:rPr lang="zh-CN" altLang="en-US" dirty="0" smtClean="0"/>
+              <a:t>。</a:t>
+            </a:r>
+            <a:endParaRPr lang="zh-CN" altLang="en-US" dirty="0"/>
+          </a:p>
+        </p:txBody>
+      </p:sp>
+    </p:spTree>
+    <p:extLst>
+      <p:ext uri="{BB962C8B-B14F-4D97-AF65-F5344CB8AC3E}">
+        <p14:creationId xmlns:p14="http://schemas.microsoft.com/office/powerpoint/2010/main" val="2032895744"/>
       </p:ext>
     </p:extLst>
   </p:cSld>
@@ -9778,4 +12405,265 @@
     </a:ext>
   </a:extLst>
 </a:theme>
+</file>
+
+<file path=ppt/theme/theme2.xml><?xml version="1.0" encoding="utf-8"?>
+<a:theme xmlns:a="http://schemas.openxmlformats.org/drawingml/2006/main" name="Office Theme">
+  <a:themeElements>
+    <a:clrScheme name="Office">
+      <a:dk1>
+        <a:sysClr val="windowText" lastClr="000000"/>
+      </a:dk1>
+      <a:lt1>
+        <a:sysClr val="window" lastClr="FFFFFF"/>
+      </a:lt1>
+      <a:dk2>
+        <a:srgbClr val="44546A"/>
+      </a:dk2>
+      <a:lt2>
+        <a:srgbClr val="E7E6E6"/>
+      </a:lt2>
+      <a:accent1>
+        <a:srgbClr val="5B9BD5"/>
+      </a:accent1>
+      <a:accent2>
+        <a:srgbClr val="ED7D31"/>
+      </a:accent2>
+      <a:accent3>
+        <a:srgbClr val="A5A5A5"/>
+      </a:accent3>
+      <a:accent4>
+        <a:srgbClr val="FFC000"/>
+      </a:accent4>
+      <a:accent5>
+        <a:srgbClr val="4472C4"/>
+      </a:accent5>
+      <a:accent6>
+        <a:srgbClr val="70AD47"/>
+      </a:accent6>
+      <a:hlink>
+        <a:srgbClr val="0563C1"/>
+      </a:hlink>
+      <a:folHlink>
+        <a:srgbClr val="954F72"/>
+      </a:folHlink>
+    </a:clrScheme>
+    <a:fontScheme name="Office">
+      <a:majorFont>
+        <a:latin typeface="Calibri Light" panose="020F0302020204030204"/>
+        <a:ea typeface=""/>
+        <a:cs typeface=""/>
+        <a:font script="Jpan" typeface="Yu Gothic Light"/>
+        <a:font script="Hang" typeface="맑은 고딕"/>
+        <a:font script="Hans" typeface="DengXian Light"/>
+        <a:font script="Hant" typeface="新細明體"/>
+        <a:font script="Arab" typeface="Times New Roman"/>
+        <a:font script="Hebr" typeface="Times New Roman"/>
+        <a:font script="Thai" typeface="Angsana New"/>
+        <a:font script="Ethi" typeface="Nyala"/>
+        <a:font script="Beng" typeface="Vrinda"/>
+        <a:font script="Gujr" typeface="Shruti"/>
+        <a:font script="Khmr" typeface="MoolBoran"/>
+        <a:font script="Knda" typeface="Tunga"/>
+        <a:font script="Guru" typeface="Raavi"/>
+        <a:font script="Cans" typeface="Euphemia"/>
+        <a:font script="Cher" typeface="Plantagenet Cherokee"/>
+        <a:font script="Yiii" typeface="Microsoft Yi Baiti"/>
+        <a:font script="Tibt" typeface="Microsoft Himalaya"/>
+        <a:font script="Thaa" typeface="MV Boli"/>
+        <a:font script="Deva" typeface="Mangal"/>
+        <a:font script="Telu" typeface="Gautami"/>
+        <a:font script="Taml" typeface="Latha"/>
+        <a:font script="Syrc" typeface="Estrangelo Edessa"/>
+        <a:font script="Orya" typeface="Kalinga"/>
+        <a:font script="Mlym" typeface="Kartika"/>
+        <a:font script="Laoo" typeface="DokChampa"/>
+        <a:font script="Sinh" typeface="Iskoola Pota"/>
+        <a:font script="Mong" typeface="Mongolian Baiti"/>
+        <a:font script="Viet" typeface="Times New Roman"/>
+        <a:font script="Uigh" typeface="Microsoft Uighur"/>
+        <a:font script="Geor" typeface="Sylfaen"/>
+      </a:majorFont>
+      <a:minorFont>
+        <a:latin typeface="Calibri" panose="020F0502020204030204"/>
+        <a:ea typeface=""/>
+        <a:cs typeface=""/>
+        <a:font script="Jpan" typeface="Yu Gothic"/>
+        <a:font script="Hang" typeface="맑은 고딕"/>
+        <a:font script="Hans" typeface="DengXian"/>
+        <a:font script="Hant" typeface="新細明體"/>
+        <a:font script="Arab" typeface="Arial"/>
+        <a:font script="Hebr" typeface="Arial"/>
+        <a:font script="Thai" typeface="Cordia New"/>
+        <a:font script="Ethi" typeface="Nyala"/>
+        <a:font script="Beng" typeface="Vrinda"/>
+        <a:font script="Gujr" typeface="Shruti"/>
+        <a:font script="Khmr" typeface="DaunPenh"/>
+        <a:font script="Knda" typeface="Tunga"/>
+        <a:font script="Guru" typeface="Raavi"/>
+        <a:font script="Cans" typeface="Euphemia"/>
+        <a:font script="Cher" typeface="Plantagenet Cherokee"/>
+        <a:font script="Yiii" typeface="Microsoft Yi Baiti"/>
+        <a:font script="Tibt" typeface="Microsoft Himalaya"/>
+        <a:font script="Thaa" typeface="MV Boli"/>
+        <a:font script="Deva" typeface="Mangal"/>
+        <a:font script="Telu" typeface="Gautami"/>
+        <a:font script="Taml" typeface="Latha"/>
+        <a:font script="Syrc" typeface="Estrangelo Edessa"/>
+        <a:font script="Orya" typeface="Kalinga"/>
+        <a:font script="Mlym" typeface="Kartika"/>
+        <a:font script="Laoo" typeface="DokChampa"/>
+        <a:font script="Sinh" typeface="Iskoola Pota"/>
+        <a:font script="Mong" typeface="Mongolian Baiti"/>
+        <a:font script="Viet" typeface="Arial"/>
+        <a:font script="Uigh" typeface="Microsoft Uighur"/>
+        <a:font script="Geor" typeface="Sylfaen"/>
+      </a:minorFont>
+    </a:fontScheme>
+    <a:fmtScheme name="Office">
+      <a:fillStyleLst>
+        <a:solidFill>
+          <a:schemeClr val="phClr"/>
+        </a:solidFill>
+        <a:gradFill rotWithShape="1">
+          <a:gsLst>
+            <a:gs pos="0">
+              <a:schemeClr val="phClr">
+                <a:lumMod val="110000"/>
+                <a:satMod val="105000"/>
+                <a:tint val="67000"/>
+              </a:schemeClr>
+            </a:gs>
+            <a:gs pos="50000">
+              <a:schemeClr val="phClr">
+                <a:lumMod val="105000"/>
+                <a:satMod val="103000"/>
+                <a:tint val="73000"/>
+              </a:schemeClr>
+            </a:gs>
+            <a:gs pos="100000">
+              <a:schemeClr val="phClr">
+                <a:lumMod val="105000"/>
+                <a:satMod val="109000"/>
+                <a:tint val="81000"/>
+              </a:schemeClr>
+            </a:gs>
+          </a:gsLst>
+          <a:lin ang="5400000" scaled="0"/>
+        </a:gradFill>
+        <a:gradFill rotWithShape="1">
+          <a:gsLst>
+            <a:gs pos="0">
+              <a:schemeClr val="phClr">
+                <a:satMod val="103000"/>
+                <a:lumMod val="102000"/>
+                <a:tint val="94000"/>
+              </a:schemeClr>
+            </a:gs>
+            <a:gs pos="50000">
+              <a:schemeClr val="phClr">
+                <a:satMod val="110000"/>
+                <a:lumMod val="100000"/>
+                <a:shade val="100000"/>
+              </a:schemeClr>
+            </a:gs>
+            <a:gs pos="100000">
+              <a:schemeClr val="phClr">
+                <a:lumMod val="99000"/>
+                <a:satMod val="120000"/>
+                <a:shade val="78000"/>
+              </a:schemeClr>
+            </a:gs>
+          </a:gsLst>
+          <a:lin ang="5400000" scaled="0"/>
+        </a:gradFill>
+      </a:fillStyleLst>
+      <a:lnStyleLst>
+        <a:ln w="6350" cap="flat" cmpd="sng" algn="ctr">
+          <a:solidFill>
+            <a:schemeClr val="phClr"/>
+          </a:solidFill>
+          <a:prstDash val="solid"/>
+          <a:miter lim="800000"/>
+        </a:ln>
+        <a:ln w="12700" cap="flat" cmpd="sng" algn="ctr">
+          <a:solidFill>
+            <a:schemeClr val="phClr"/>
+          </a:solidFill>
+          <a:prstDash val="solid"/>
+          <a:miter lim="800000"/>
+        </a:ln>
+        <a:ln w="19050" cap="flat" cmpd="sng" algn="ctr">
+          <a:solidFill>
+            <a:schemeClr val="phClr"/>
+          </a:solidFill>
+          <a:prstDash val="solid"/>
+          <a:miter lim="800000"/>
+        </a:ln>
+      </a:lnStyleLst>
+      <a:effectStyleLst>
+        <a:effectStyle>
+          <a:effectLst/>
+        </a:effectStyle>
+        <a:effectStyle>
+          <a:effectLst/>
+        </a:effectStyle>
+        <a:effectStyle>
+          <a:effectLst>
+            <a:outerShdw blurRad="57150" dist="19050" dir="5400000" algn="ctr" rotWithShape="0">
+              <a:srgbClr val="000000">
+                <a:alpha val="63000"/>
+              </a:srgbClr>
+            </a:outerShdw>
+          </a:effectLst>
+        </a:effectStyle>
+      </a:effectStyleLst>
+      <a:bgFillStyleLst>
+        <a:solidFill>
+          <a:schemeClr val="phClr"/>
+        </a:solidFill>
+        <a:solidFill>
+          <a:schemeClr val="phClr">
+            <a:tint val="95000"/>
+            <a:satMod val="170000"/>
+          </a:schemeClr>
+        </a:solidFill>
+        <a:gradFill rotWithShape="1">
+          <a:gsLst>
+            <a:gs pos="0">
+              <a:schemeClr val="phClr">
+                <a:tint val="93000"/>
+                <a:satMod val="150000"/>
+                <a:shade val="98000"/>
+                <a:lumMod val="102000"/>
+              </a:schemeClr>
+            </a:gs>
+            <a:gs pos="50000">
+              <a:schemeClr val="phClr">
+                <a:tint val="98000"/>
+                <a:satMod val="130000"/>
+                <a:shade val="90000"/>
+                <a:lumMod val="103000"/>
+              </a:schemeClr>
+            </a:gs>
+            <a:gs pos="100000">
+              <a:schemeClr val="phClr">
+                <a:shade val="63000"/>
+                <a:satMod val="120000"/>
+              </a:schemeClr>
+            </a:gs>
+          </a:gsLst>
+          <a:lin ang="5400000" scaled="0"/>
+        </a:gradFill>
+      </a:bgFillStyleLst>
+    </a:fmtScheme>
+  </a:themeElements>
+  <a:objectDefaults/>
+  <a:extraClrSchemeLst/>
+  <a:extLst>
+    <a:ext uri="{05A4C25C-085E-4340-85A3-A5531E510DB2}">
+      <thm15:themeFamily xmlns:thm15="http://schemas.microsoft.com/office/thememl/2012/main" name="Office Theme" id="{62F939B6-93AF-4DB8-9C6B-D6C7DFDC589F}" vid="{4A3C46E8-61CC-4603-A589-7422A47A8E4A}"/>
+    </a:ext>
+  </a:extLst>
+</a:theme>
 </file>